--- a/PPT/05- Angular Routing.pptx
+++ b/PPT/05- Angular Routing.pptx
@@ -5,7 +5,7 @@
     <p:sldMasterId id="2147483648" r:id="rId1"/>
   </p:sldMasterIdLst>
   <p:notesMasterIdLst>
-    <p:notesMasterId r:id="rId34"/>
+    <p:notesMasterId r:id="rId36"/>
   </p:notesMasterIdLst>
   <p:sldIdLst>
     <p:sldId id="256" r:id="rId2"/>
@@ -39,7 +39,9 @@
     <p:sldId id="300" r:id="rId30"/>
     <p:sldId id="301" r:id="rId31"/>
     <p:sldId id="303" r:id="rId32"/>
-    <p:sldId id="302" r:id="rId33"/>
+    <p:sldId id="305" r:id="rId33"/>
+    <p:sldId id="302" r:id="rId34"/>
+    <p:sldId id="304" r:id="rId35"/>
   </p:sldIdLst>
   <p:sldSz cx="10693400" cy="7562850"/>
   <p:notesSz cx="10693400" cy="7562850"/>
@@ -1455,6 +1457,57 @@
 </p:notes>
 </file>
 
+<file path=ppt/notesSlides/notesSlide30.xml><?xml version="1.0" encoding="utf-8"?>
+<p:notes xmlns:a="http://schemas.openxmlformats.org/drawingml/2006/main" xmlns:r="http://schemas.openxmlformats.org/officeDocument/2006/relationships" xmlns:p="http://schemas.openxmlformats.org/presentationml/2006/main">
+  <p:cSld>
+    <p:spTree>
+      <p:nvGrpSpPr>
+        <p:cNvPr id="1" name=""/>
+        <p:cNvGrpSpPr/>
+        <p:nvPr/>
+      </p:nvGrpSpPr>
+      <p:grpSpPr>
+        <a:xfrm>
+          <a:off x="0" y="0"/>
+          <a:ext cx="0" cy="0"/>
+          <a:chOff x="0" y="0"/>
+          <a:chExt cx="0" cy="0"/>
+        </a:xfrm>
+      </p:grpSpPr>
+      <p:sp>
+        <p:nvSpPr>
+          <p:cNvPr id="2" name="Notes Placeholder"/>
+          <p:cNvSpPr>
+            <a:spLocks noGrp="1"/>
+          </p:cNvSpPr>
+          <p:nvPr>
+            <p:ph type="body" idx="1"/>
+          </p:nvPr>
+        </p:nvSpPr>
+        <p:spPr/>
+        <p:txBody>
+          <a:bodyPr>
+            <a:normAutofit fontScale="25000" lnSpcReduction="20000"/>
+          </a:bodyPr>
+          <a:lstStyle/>
+          <a:p>
+            <a:endParaRPr/>
+          </a:p>
+        </p:txBody>
+      </p:sp>
+    </p:spTree>
+    <p:extLst>
+      <p:ext uri="{BB962C8B-B14F-4D97-AF65-F5344CB8AC3E}">
+        <p14:creationId xmlns:p14="http://schemas.microsoft.com/office/powerpoint/2010/main" val="241457064"/>
+      </p:ext>
+    </p:extLst>
+  </p:cSld>
+  <p:clrMapOvr>
+    <a:masterClrMapping/>
+  </p:clrMapOvr>
+</p:notes>
+</file>
+
 <file path=ppt/notesSlides/notesSlide4.xml><?xml version="1.0" encoding="utf-8"?>
 <p:notes xmlns:a="http://schemas.openxmlformats.org/drawingml/2006/main" xmlns:r="http://schemas.openxmlformats.org/officeDocument/2006/relationships" xmlns:p="http://schemas.openxmlformats.org/presentationml/2006/main">
   <p:cSld>
@@ -1841,7 +1894,7 @@
           <a:p>
             <a:fld id="{B496B693-9FDE-D34D-BA2D-87876F5E0558}" type="datetime1">
               <a:rPr lang="en-US" smtClean="0"/>
-              <a:t>2/23/19</a:t>
+              <a:t>2/24/19</a:t>
             </a:fld>
             <a:endParaRPr lang="en-US"/>
           </a:p>
@@ -2000,7 +2053,7 @@
           <a:p>
             <a:fld id="{2C668659-E1B9-F248-8B7A-62E98257FA2B}" type="datetime1">
               <a:rPr lang="en-US" smtClean="0"/>
-              <a:t>2/23/19</a:t>
+              <a:t>2/24/19</a:t>
             </a:fld>
             <a:endParaRPr lang="en-US"/>
           </a:p>
@@ -2478,7 +2531,7 @@
           <a:p>
             <a:fld id="{B6121E9A-9D8F-554C-B283-F41E0A321D9E}" type="datetime1">
               <a:rPr lang="en-US" smtClean="0"/>
-              <a:t>2/23/19</a:t>
+              <a:t>2/24/19</a:t>
             </a:fld>
             <a:endParaRPr lang="en-US"/>
           </a:p>
@@ -2603,7 +2656,7 @@
           <a:p>
             <a:fld id="{4830FFAC-C408-5B4A-A43B-C51D21E865D6}" type="datetime1">
               <a:rPr lang="en-US" smtClean="0"/>
-              <a:t>2/23/19</a:t>
+              <a:t>2/24/19</a:t>
             </a:fld>
             <a:endParaRPr lang="en-US"/>
           </a:p>
@@ -2699,7 +2752,7 @@
           <a:p>
             <a:fld id="{AAFBA3EB-6224-474F-84CA-5E91E4443D27}" type="datetime1">
               <a:rPr lang="en-US" smtClean="0"/>
-              <a:t>2/23/19</a:t>
+              <a:t>2/24/19</a:t>
             </a:fld>
             <a:endParaRPr lang="en-US"/>
           </a:p>
@@ -2933,7 +2986,7 @@
           <a:p>
             <a:fld id="{5A1FA41D-3A39-F741-AA79-3F454EC99F26}" type="datetime1">
               <a:rPr lang="en-US" smtClean="0"/>
-              <a:t>2/23/19</a:t>
+              <a:t>2/24/19</a:t>
             </a:fld>
             <a:endParaRPr lang="en-US"/>
           </a:p>
@@ -7332,20 +7385,20 @@
               </a:tabLst>
             </a:pPr>
             <a:r>
-              <a:rPr lang="en-US" sz="1950" spc="-20" dirty="0" err="1">
+              <a:rPr lang="en-US" sz="1950" b="1" spc="-20" dirty="0" err="1">
                 <a:latin typeface="Verdana"/>
                 <a:cs typeface="Verdana"/>
               </a:rPr>
               <a:t>Oefening</a:t>
             </a:r>
             <a:r>
-              <a:rPr lang="en-US" sz="1950" spc="-20" dirty="0">
+              <a:rPr lang="en-US" sz="1950" b="1" spc="-20" dirty="0">
                 <a:latin typeface="Verdana"/>
                 <a:cs typeface="Verdana"/>
               </a:rPr>
               <a:t> 7a + 7b</a:t>
             </a:r>
-            <a:endParaRPr sz="1950" dirty="0">
+            <a:endParaRPr sz="1950" b="1" dirty="0">
               <a:latin typeface="Verdana"/>
               <a:cs typeface="Verdana"/>
             </a:endParaRPr>
@@ -20986,234 +21039,6 @@
           </a:p>
         </p:txBody>
       </p:sp>
-      <p:sp>
-        <p:nvSpPr>
-          <p:cNvPr id="26" name="object 26"/>
-          <p:cNvSpPr txBox="1"/>
-          <p:nvPr/>
-        </p:nvSpPr>
-        <p:spPr>
-          <a:xfrm>
-            <a:off x="1617104" y="6280245"/>
-            <a:ext cx="3194685" cy="272415"/>
-          </a:xfrm>
-          <a:prstGeom prst="rect">
-            <a:avLst/>
-          </a:prstGeom>
-        </p:spPr>
-        <p:txBody>
-          <a:bodyPr vert="horz" wrap="square" lIns="0" tIns="0" rIns="0" bIns="0" rtlCol="0">
-            <a:spAutoFit/>
-          </a:bodyPr>
-          <a:lstStyle/>
-          <a:p>
-            <a:pPr marL="320675" indent="-307975">
-              <a:lnSpc>
-                <a:spcPct val="100000"/>
-              </a:lnSpc>
-              <a:buFont typeface="Arial"/>
-              <a:buChar char="•"/>
-              <a:tabLst>
-                <a:tab pos="321310" algn="l"/>
-              </a:tabLst>
-            </a:pPr>
-            <a:r>
-              <a:rPr sz="1950" spc="-20" dirty="0">
-                <a:latin typeface="Arial"/>
-                <a:cs typeface="Arial"/>
-              </a:rPr>
-              <a:t>Mak</a:t>
-            </a:r>
-            <a:r>
-              <a:rPr sz="1950" spc="-15" dirty="0">
-                <a:latin typeface="Arial"/>
-                <a:cs typeface="Arial"/>
-              </a:rPr>
-              <a:t>e</a:t>
-            </a:r>
-            <a:r>
-              <a:rPr sz="1950" spc="-5" dirty="0">
-                <a:latin typeface="Arial"/>
-                <a:cs typeface="Arial"/>
-              </a:rPr>
-              <a:t> </a:t>
-            </a:r>
-            <a:r>
-              <a:rPr sz="1950" spc="-20" dirty="0">
-                <a:latin typeface="Arial"/>
-                <a:cs typeface="Arial"/>
-              </a:rPr>
-              <a:t>us</a:t>
-            </a:r>
-            <a:r>
-              <a:rPr sz="1950" spc="-15" dirty="0">
-                <a:latin typeface="Arial"/>
-                <a:cs typeface="Arial"/>
-              </a:rPr>
-              <a:t>e</a:t>
-            </a:r>
-            <a:r>
-              <a:rPr sz="1950" spc="-5" dirty="0">
-                <a:latin typeface="Arial"/>
-                <a:cs typeface="Arial"/>
-              </a:rPr>
-              <a:t> </a:t>
-            </a:r>
-            <a:r>
-              <a:rPr sz="1950" spc="-20" dirty="0">
-                <a:latin typeface="Arial"/>
-                <a:cs typeface="Arial"/>
-              </a:rPr>
-              <a:t>o</a:t>
-            </a:r>
-            <a:r>
-              <a:rPr sz="1950" spc="-10" dirty="0">
-                <a:latin typeface="Arial"/>
-                <a:cs typeface="Arial"/>
-              </a:rPr>
-              <a:t>f</a:t>
-            </a:r>
-            <a:r>
-              <a:rPr sz="1950" spc="-5" dirty="0">
-                <a:latin typeface="Arial"/>
-                <a:cs typeface="Arial"/>
-              </a:rPr>
-              <a:t> </a:t>
-            </a:r>
-            <a:r>
-              <a:rPr sz="1950" spc="-20" dirty="0">
-                <a:latin typeface="Arial"/>
-                <a:cs typeface="Arial"/>
-              </a:rPr>
-              <a:t>S</a:t>
-            </a:r>
-            <a:r>
-              <a:rPr sz="1950" spc="-160" dirty="0">
-                <a:latin typeface="Arial"/>
-                <a:cs typeface="Arial"/>
-              </a:rPr>
-              <a:t>P</a:t>
-            </a:r>
-            <a:r>
-              <a:rPr sz="1950" spc="-15" dirty="0">
-                <a:latin typeface="Arial"/>
-                <a:cs typeface="Arial"/>
-              </a:rPr>
-              <a:t>A</a:t>
-            </a:r>
-            <a:r>
-              <a:rPr sz="1950" spc="-120" dirty="0">
-                <a:latin typeface="Arial"/>
-                <a:cs typeface="Arial"/>
-              </a:rPr>
-              <a:t> </a:t>
-            </a:r>
-            <a:r>
-              <a:rPr sz="1950" spc="-15" dirty="0">
-                <a:latin typeface="Arial"/>
-                <a:cs typeface="Arial"/>
-              </a:rPr>
-              <a:t>principle</a:t>
-            </a:r>
-            <a:endParaRPr sz="1950">
-              <a:latin typeface="Arial"/>
-              <a:cs typeface="Arial"/>
-            </a:endParaRPr>
-          </a:p>
-        </p:txBody>
-      </p:sp>
-      <p:sp>
-        <p:nvSpPr>
-          <p:cNvPr id="27" name="object 27"/>
-          <p:cNvSpPr txBox="1"/>
-          <p:nvPr/>
-        </p:nvSpPr>
-        <p:spPr>
-          <a:xfrm>
-            <a:off x="1386975" y="6812872"/>
-            <a:ext cx="3536950" cy="272415"/>
-          </a:xfrm>
-          <a:prstGeom prst="rect">
-            <a:avLst/>
-          </a:prstGeom>
-        </p:spPr>
-        <p:txBody>
-          <a:bodyPr vert="horz" wrap="square" lIns="0" tIns="0" rIns="0" bIns="0" rtlCol="0">
-            <a:spAutoFit/>
-          </a:bodyPr>
-          <a:lstStyle/>
-          <a:p>
-            <a:pPr marL="12700">
-              <a:lnSpc>
-                <a:spcPct val="100000"/>
-              </a:lnSpc>
-              <a:tabLst>
-                <a:tab pos="507365" algn="l"/>
-              </a:tabLst>
-            </a:pPr>
-            <a:r>
-              <a:rPr sz="1950" strike="sngStrike" spc="-10" dirty="0">
-                <a:latin typeface="Arial"/>
-                <a:cs typeface="Arial"/>
-              </a:rPr>
-              <a:t> </a:t>
-            </a:r>
-            <a:r>
-              <a:rPr sz="1950" strike="noStrike" spc="-10" dirty="0">
-                <a:latin typeface="Arial"/>
-                <a:cs typeface="Arial"/>
-              </a:rPr>
-              <a:t> </a:t>
-            </a:r>
-            <a:r>
-              <a:rPr sz="1950" strike="noStrike" spc="-155" dirty="0">
-                <a:latin typeface="Arial"/>
-                <a:cs typeface="Arial"/>
-              </a:rPr>
-              <a:t> </a:t>
-            </a:r>
-            <a:r>
-              <a:rPr sz="1950" strike="sngStrike" spc="-10" dirty="0">
-                <a:latin typeface="Arial"/>
-                <a:cs typeface="Arial"/>
-              </a:rPr>
-              <a:t>• </a:t>
-            </a:r>
-            <a:r>
-              <a:rPr sz="1950" strike="noStrike" dirty="0">
-                <a:latin typeface="Arial"/>
-                <a:cs typeface="Arial"/>
-              </a:rPr>
-              <a:t>	</a:t>
-            </a:r>
-            <a:r>
-              <a:rPr sz="1950" strike="sngStrike" spc="-20" dirty="0">
-                <a:latin typeface="Arial"/>
-                <a:cs typeface="Arial"/>
-              </a:rPr>
-              <a:t>M</a:t>
-            </a:r>
-            <a:r>
-              <a:rPr sz="1950" strike="sngStrike" spc="-15" dirty="0">
-                <a:latin typeface="Arial"/>
-                <a:cs typeface="Arial"/>
-              </a:rPr>
-              <a:t>aking deep links possible</a:t>
-            </a:r>
-            <a:r>
-              <a:rPr sz="1950" strike="sngStrike" spc="-10" dirty="0">
-                <a:latin typeface="Arial"/>
-                <a:cs typeface="Arial"/>
-              </a:rPr>
-              <a:t> </a:t>
-            </a:r>
-            <a:endParaRPr sz="1950">
-              <a:latin typeface="Arial"/>
-              <a:cs typeface="Arial"/>
-            </a:endParaRPr>
-          </a:p>
-        </p:txBody>
-      </p:sp>
     </p:spTree>
   </p:cSld>
   <p:clrMapOvr>
@@ -22921,20 +22746,20 @@
               </a:tabLst>
             </a:pPr>
             <a:r>
-              <a:rPr lang="en-US" sz="1950" spc="-15" dirty="0" err="1">
+              <a:rPr lang="en-US" sz="1950" b="1" spc="-15" dirty="0" err="1">
                 <a:latin typeface="Verdana"/>
                 <a:cs typeface="Verdana"/>
               </a:rPr>
               <a:t>Oefening</a:t>
             </a:r>
             <a:r>
-              <a:rPr lang="en-US" sz="1950" spc="-15" dirty="0">
+              <a:rPr lang="en-US" sz="1950" b="1" spc="-15" dirty="0">
                 <a:latin typeface="Verdana"/>
                 <a:cs typeface="Verdana"/>
               </a:rPr>
               <a:t> 7c</a:t>
             </a:r>
-            <a:endParaRPr sz="1950" dirty="0">
+            <a:endParaRPr sz="1950" b="1" dirty="0">
               <a:latin typeface="Verdana"/>
               <a:cs typeface="Verdana"/>
             </a:endParaRPr>
@@ -31340,7 +31165,7 @@
         <p:spPr>
           <a:xfrm>
             <a:off x="1586617" y="2257425"/>
-            <a:ext cx="8895474" cy="3600986"/>
+            <a:ext cx="8895474" cy="3670236"/>
           </a:xfrm>
         </p:spPr>
         <p:txBody>
@@ -31460,23 +31285,33 @@
           </a:p>
           <a:p>
             <a:r>
-              <a:rPr lang="en-US" b="1" dirty="0"/>
+              <a:rPr lang="en-US" sz="2400" b="1" dirty="0">
+                <a:latin typeface="Abadi MT Condensed Light" panose="020B0306030101010103" pitchFamily="34" charset="77"/>
+              </a:rPr>
               <a:t>expressive | </a:t>
             </a:r>
             <a:r>
-              <a:rPr lang="en-US" b="1" dirty="0" err="1"/>
+              <a:rPr lang="en-US" sz="2400" b="1" dirty="0" err="1">
+                <a:latin typeface="Abadi MT Condensed Light" panose="020B0306030101010103" pitchFamily="34" charset="77"/>
+              </a:rPr>
               <a:t>pipeNaam</a:t>
             </a:r>
             <a:r>
-              <a:rPr lang="en-US" b="1" dirty="0"/>
+              <a:rPr lang="en-US" sz="2400" b="1" dirty="0">
+                <a:latin typeface="Abadi MT Condensed Light" panose="020B0306030101010103" pitchFamily="34" charset="77"/>
+              </a:rPr>
               <a:t> [ parm1 [</a:t>
             </a:r>
             <a:r>
-              <a:rPr lang="en-US" b="1" dirty="0" err="1"/>
+              <a:rPr lang="en-US" sz="2400" b="1" dirty="0" err="1">
+                <a:latin typeface="Abadi MT Condensed Light" panose="020B0306030101010103" pitchFamily="34" charset="77"/>
+              </a:rPr>
               <a:t>parmN</a:t>
             </a:r>
             <a:r>
-              <a:rPr lang="en-US" b="1" dirty="0"/>
+              <a:rPr lang="en-US" sz="2400" b="1" dirty="0">
+                <a:latin typeface="Abadi MT Condensed Light" panose="020B0306030101010103" pitchFamily="34" charset="77"/>
+              </a:rPr>
               <a:t>]] </a:t>
             </a:r>
           </a:p>
@@ -31754,6 +31589,122 @@
           <p:cNvPr id="2" name="Title 1">
             <a:extLst>
               <a:ext uri="{FF2B5EF4-FFF2-40B4-BE49-F238E27FC236}">
+                <a16:creationId xmlns:a16="http://schemas.microsoft.com/office/drawing/2014/main" id="{4F97C751-812A-8442-A862-62A322F5F515}"/>
+              </a:ext>
+            </a:extLst>
+          </p:cNvPr>
+          <p:cNvSpPr>
+            <a:spLocks noGrp="1"/>
+          </p:cNvSpPr>
+          <p:nvPr>
+            <p:ph type="title"/>
+          </p:nvPr>
+        </p:nvSpPr>
+        <p:spPr/>
+        <p:txBody>
+          <a:bodyPr/>
+          <a:lstStyle/>
+          <a:p>
+            <a:endParaRPr lang="en-US"/>
+          </a:p>
+        </p:txBody>
+      </p:sp>
+      <p:sp>
+        <p:nvSpPr>
+          <p:cNvPr id="3" name="Text Placeholder 2">
+            <a:extLst>
+              <a:ext uri="{FF2B5EF4-FFF2-40B4-BE49-F238E27FC236}">
+                <a16:creationId xmlns:a16="http://schemas.microsoft.com/office/drawing/2014/main" id="{ABB8828E-6639-9542-A9B2-CEC946EA2FF9}"/>
+              </a:ext>
+            </a:extLst>
+          </p:cNvPr>
+          <p:cNvSpPr>
+            <a:spLocks noGrp="1"/>
+          </p:cNvSpPr>
+          <p:nvPr>
+            <p:ph type="body" idx="1"/>
+          </p:nvPr>
+        </p:nvSpPr>
+        <p:spPr/>
+        <p:txBody>
+          <a:bodyPr/>
+          <a:lstStyle/>
+          <a:p>
+            <a:endParaRPr lang="en-US" dirty="0"/>
+          </a:p>
+        </p:txBody>
+      </p:sp>
+      <p:pic>
+        <p:nvPicPr>
+          <p:cNvPr id="5" name="Picture 4">
+            <a:extLst>
+              <a:ext uri="{FF2B5EF4-FFF2-40B4-BE49-F238E27FC236}">
+                <a16:creationId xmlns:a16="http://schemas.microsoft.com/office/drawing/2014/main" id="{A82FE002-DD8F-EC43-AC4F-FD7427E30316}"/>
+              </a:ext>
+            </a:extLst>
+          </p:cNvPr>
+          <p:cNvPicPr>
+            <a:picLocks noChangeAspect="1"/>
+          </p:cNvPicPr>
+          <p:nvPr/>
+        </p:nvPicPr>
+        <p:blipFill>
+          <a:blip r:embed="rId2">
+            <a:extLst>
+              <a:ext uri="{28A0092B-C50C-407E-A947-70E740481C1C}">
+                <a14:useLocalDpi xmlns:a14="http://schemas.microsoft.com/office/drawing/2010/main" val="0"/>
+              </a:ext>
+            </a:extLst>
+          </a:blip>
+          <a:stretch>
+            <a:fillRect/>
+          </a:stretch>
+        </p:blipFill>
+        <p:spPr>
+          <a:xfrm>
+            <a:off x="2825750" y="1971675"/>
+            <a:ext cx="5041900" cy="3619500"/>
+          </a:xfrm>
+          <a:prstGeom prst="rect">
+            <a:avLst/>
+          </a:prstGeom>
+        </p:spPr>
+      </p:pic>
+    </p:spTree>
+    <p:extLst>
+      <p:ext uri="{BB962C8B-B14F-4D97-AF65-F5344CB8AC3E}">
+        <p14:creationId xmlns:p14="http://schemas.microsoft.com/office/powerpoint/2010/main" val="317477544"/>
+      </p:ext>
+    </p:extLst>
+  </p:cSld>
+  <p:clrMapOvr>
+    <a:masterClrMapping/>
+  </p:clrMapOvr>
+</p:sld>
+</file>
+
+<file path=ppt/slides/slide33.xml><?xml version="1.0" encoding="utf-8"?>
+<p:sld xmlns:a="http://schemas.openxmlformats.org/drawingml/2006/main" xmlns:r="http://schemas.openxmlformats.org/officeDocument/2006/relationships" xmlns:p="http://schemas.openxmlformats.org/presentationml/2006/main">
+  <p:cSld>
+    <p:spTree>
+      <p:nvGrpSpPr>
+        <p:cNvPr id="1" name=""/>
+        <p:cNvGrpSpPr/>
+        <p:nvPr/>
+      </p:nvGrpSpPr>
+      <p:grpSpPr>
+        <a:xfrm>
+          <a:off x="0" y="0"/>
+          <a:ext cx="0" cy="0"/>
+          <a:chOff x="0" y="0"/>
+          <a:chExt cx="0" cy="0"/>
+        </a:xfrm>
+      </p:grpSpPr>
+      <p:sp>
+        <p:nvSpPr>
+          <p:cNvPr id="2" name="Title 1">
+            <a:extLst>
+              <a:ext uri="{FF2B5EF4-FFF2-40B4-BE49-F238E27FC236}">
                 <a16:creationId xmlns:a16="http://schemas.microsoft.com/office/drawing/2014/main" id="{151CEB0C-4221-0948-9427-8FE21D81787B}"/>
               </a:ext>
             </a:extLst>
@@ -32073,6 +32024,207 @@
     <p:extLst>
       <p:ext uri="{BB962C8B-B14F-4D97-AF65-F5344CB8AC3E}">
         <p14:creationId xmlns:p14="http://schemas.microsoft.com/office/powerpoint/2010/main" val="3152712395"/>
+      </p:ext>
+    </p:extLst>
+  </p:cSld>
+  <p:clrMapOvr>
+    <a:masterClrMapping/>
+  </p:clrMapOvr>
+</p:sld>
+</file>
+
+<file path=ppt/slides/slide34.xml><?xml version="1.0" encoding="utf-8"?>
+<p:sld xmlns:a="http://schemas.openxmlformats.org/drawingml/2006/main" xmlns:r="http://schemas.openxmlformats.org/officeDocument/2006/relationships" xmlns:p="http://schemas.openxmlformats.org/presentationml/2006/main">
+  <p:cSld>
+    <p:spTree>
+      <p:nvGrpSpPr>
+        <p:cNvPr id="1" name=""/>
+        <p:cNvGrpSpPr/>
+        <p:nvPr/>
+      </p:nvGrpSpPr>
+      <p:grpSpPr>
+        <a:xfrm>
+          <a:off x="0" y="0"/>
+          <a:ext cx="0" cy="0"/>
+          <a:chOff x="0" y="0"/>
+          <a:chExt cx="0" cy="0"/>
+        </a:xfrm>
+      </p:grpSpPr>
+      <p:sp>
+        <p:nvSpPr>
+          <p:cNvPr id="2" name="object 2"/>
+          <p:cNvSpPr txBox="1">
+            <a:spLocks noGrp="1"/>
+          </p:cNvSpPr>
+          <p:nvPr>
+            <p:ph type="title"/>
+          </p:nvPr>
+        </p:nvSpPr>
+        <p:spPr>
+          <a:xfrm>
+            <a:off x="460615" y="483077"/>
+            <a:ext cx="9772169" cy="423193"/>
+          </a:xfrm>
+          <a:prstGeom prst="rect">
+            <a:avLst/>
+          </a:prstGeom>
+        </p:spPr>
+        <p:txBody>
+          <a:bodyPr vert="horz" wrap="square" lIns="0" tIns="0" rIns="0" bIns="0" rtlCol="0">
+            <a:spAutoFit/>
+          </a:bodyPr>
+          <a:lstStyle/>
+          <a:p>
+            <a:pPr marL="818515">
+              <a:lnSpc>
+                <a:spcPct val="100000"/>
+              </a:lnSpc>
+            </a:pPr>
+            <a:r>
+              <a:rPr spc="15" dirty="0"/>
+              <a:t>Checkpoint</a:t>
+            </a:r>
+            <a:r>
+              <a:rPr lang="nl-NL" spc="15" dirty="0"/>
+              <a:t> </a:t>
+            </a:r>
+            <a:r>
+              <a:rPr lang="nl-NL" spc="15" dirty="0" err="1"/>
+              <a:t>pipes</a:t>
+            </a:r>
+            <a:endParaRPr spc="15" dirty="0"/>
+          </a:p>
+        </p:txBody>
+      </p:sp>
+      <p:sp>
+        <p:nvSpPr>
+          <p:cNvPr id="3" name="object 3"/>
+          <p:cNvSpPr txBox="1"/>
+          <p:nvPr/>
+        </p:nvSpPr>
+        <p:spPr>
+          <a:xfrm>
+            <a:off x="1266584" y="1612623"/>
+            <a:ext cx="8114665" cy="387157"/>
+          </a:xfrm>
+          <a:prstGeom prst="rect">
+            <a:avLst/>
+          </a:prstGeom>
+        </p:spPr>
+        <p:txBody>
+          <a:bodyPr vert="horz" wrap="square" lIns="0" tIns="0" rIns="0" bIns="0" rtlCol="0">
+            <a:spAutoFit/>
+          </a:bodyPr>
+          <a:lstStyle/>
+          <a:p>
+            <a:pPr marL="353695" marR="5080" indent="-340995">
+              <a:lnSpc>
+                <a:spcPct val="149200"/>
+              </a:lnSpc>
+              <a:spcBef>
+                <a:spcPts val="475"/>
+              </a:spcBef>
+              <a:buFont typeface="Verdana"/>
+              <a:buChar char="•"/>
+              <a:tabLst>
+                <a:tab pos="354330" algn="l"/>
+                <a:tab pos="3195955" algn="l"/>
+              </a:tabLst>
+            </a:pPr>
+            <a:r>
+              <a:rPr lang="en-US" sz="1950" b="1" spc="-15" dirty="0" err="1">
+                <a:latin typeface="Verdana"/>
+                <a:cs typeface="Verdana"/>
+              </a:rPr>
+              <a:t>Oefening</a:t>
+            </a:r>
+            <a:r>
+              <a:rPr lang="en-US" sz="1950" b="1" spc="-15" dirty="0">
+                <a:latin typeface="Verdana"/>
+                <a:cs typeface="Verdana"/>
+              </a:rPr>
+              <a:t> 8a</a:t>
+            </a:r>
+            <a:endParaRPr lang="en-US" sz="1950" b="1" dirty="0">
+              <a:latin typeface="Verdana"/>
+              <a:cs typeface="Verdana"/>
+            </a:endParaRPr>
+          </a:p>
+        </p:txBody>
+      </p:sp>
+      <p:sp>
+        <p:nvSpPr>
+          <p:cNvPr id="4" name="object 4"/>
+          <p:cNvSpPr/>
+          <p:nvPr/>
+        </p:nvSpPr>
+        <p:spPr>
+          <a:xfrm>
+            <a:off x="7057521" y="4632198"/>
+            <a:ext cx="3313176" cy="2176272"/>
+          </a:xfrm>
+          <a:prstGeom prst="rect">
+            <a:avLst/>
+          </a:prstGeom>
+          <a:blipFill>
+            <a:blip r:embed="rId3" cstate="print"/>
+            <a:stretch>
+              <a:fillRect/>
+            </a:stretch>
+          </a:blipFill>
+        </p:spPr>
+        <p:txBody>
+          <a:bodyPr wrap="square" lIns="0" tIns="0" rIns="0" bIns="0" rtlCol="0"/>
+          <a:lstStyle/>
+          <a:p>
+            <a:endParaRPr/>
+          </a:p>
+        </p:txBody>
+      </p:sp>
+      <p:sp>
+        <p:nvSpPr>
+          <p:cNvPr id="5" name="object 5"/>
+          <p:cNvSpPr txBox="1"/>
+          <p:nvPr/>
+        </p:nvSpPr>
+        <p:spPr>
+          <a:xfrm>
+            <a:off x="3346846" y="5646087"/>
+            <a:ext cx="3412490" cy="629285"/>
+          </a:xfrm>
+          <a:prstGeom prst="rect">
+            <a:avLst/>
+          </a:prstGeom>
+        </p:spPr>
+        <p:txBody>
+          <a:bodyPr vert="horz" wrap="square" lIns="0" tIns="0" rIns="0" bIns="0" rtlCol="0">
+            <a:spAutoFit/>
+          </a:bodyPr>
+          <a:lstStyle/>
+          <a:p>
+            <a:pPr marL="12700">
+              <a:lnSpc>
+                <a:spcPct val="100000"/>
+              </a:lnSpc>
+            </a:pPr>
+            <a:r>
+              <a:rPr sz="4750" b="1" dirty="0">
+                <a:latin typeface="Arial"/>
+                <a:cs typeface="Arial"/>
+              </a:rPr>
+              <a:t>Oefening….</a:t>
+            </a:r>
+            <a:endParaRPr sz="4750">
+              <a:latin typeface="Arial"/>
+              <a:cs typeface="Arial"/>
+            </a:endParaRPr>
+          </a:p>
+        </p:txBody>
+      </p:sp>
+    </p:spTree>
+    <p:extLst>
+      <p:ext uri="{BB962C8B-B14F-4D97-AF65-F5344CB8AC3E}">
+        <p14:creationId xmlns:p14="http://schemas.microsoft.com/office/powerpoint/2010/main" val="220732160"/>
       </p:ext>
     </p:extLst>
   </p:cSld>

--- a/PPT/05- Angular Routing.pptx
+++ b/PPT/05- Angular Routing.pptx
@@ -1847,7 +1847,7 @@
           <a:p>
             <a:fld id="{B496B693-9FDE-D34D-BA2D-87876F5E0558}" type="datetime1">
               <a:rPr lang="en-US" smtClean="0"/>
-              <a:t>2/26/19</a:t>
+              <a:t>5/5/19</a:t>
             </a:fld>
             <a:endParaRPr lang="en-US"/>
           </a:p>
@@ -2006,7 +2006,7 @@
           <a:p>
             <a:fld id="{2C668659-E1B9-F248-8B7A-62E98257FA2B}" type="datetime1">
               <a:rPr lang="en-US" smtClean="0"/>
-              <a:t>2/26/19</a:t>
+              <a:t>5/5/19</a:t>
             </a:fld>
             <a:endParaRPr lang="en-US"/>
           </a:p>
@@ -2484,7 +2484,7 @@
           <a:p>
             <a:fld id="{B6121E9A-9D8F-554C-B283-F41E0A321D9E}" type="datetime1">
               <a:rPr lang="en-US" smtClean="0"/>
-              <a:t>2/26/19</a:t>
+              <a:t>5/5/19</a:t>
             </a:fld>
             <a:endParaRPr lang="en-US"/>
           </a:p>
@@ -2609,7 +2609,7 @@
           <a:p>
             <a:fld id="{4830FFAC-C408-5B4A-A43B-C51D21E865D6}" type="datetime1">
               <a:rPr lang="en-US" smtClean="0"/>
-              <a:t>2/26/19</a:t>
+              <a:t>5/5/19</a:t>
             </a:fld>
             <a:endParaRPr lang="en-US"/>
           </a:p>
@@ -2705,7 +2705,7 @@
           <a:p>
             <a:fld id="{AAFBA3EB-6224-474F-84CA-5E91E4443D27}" type="datetime1">
               <a:rPr lang="en-US" smtClean="0"/>
-              <a:t>2/26/19</a:t>
+              <a:t>5/5/19</a:t>
             </a:fld>
             <a:endParaRPr lang="en-US"/>
           </a:p>
@@ -2939,7 +2939,7 @@
           <a:p>
             <a:fld id="{5A1FA41D-3A39-F741-AA79-3F454EC99F26}" type="datetime1">
               <a:rPr lang="en-US" smtClean="0"/>
-              <a:t>2/26/19</a:t>
+              <a:t>5/5/19</a:t>
             </a:fld>
             <a:endParaRPr lang="en-US"/>
           </a:p>
@@ -4613,9 +4613,9 @@
               <a:t>  </a:t>
             </a:r>
             <a:r>
-              <a:rPr sz="1950" spc="-20" dirty="0">
-                <a:solidFill>
-                  <a:srgbClr val="FF0000"/>
+              <a:rPr sz="1950" b="1" spc="-20" dirty="0">
+                <a:solidFill>
+                  <a:srgbClr val="C00000"/>
                 </a:solidFill>
                 <a:latin typeface="Courier New"/>
                 <a:cs typeface="Courier New"/>
@@ -4623,16 +4623,19 @@
               <a:t>/cities/</a:t>
             </a:r>
             <a:r>
-              <a:rPr sz="1950" spc="-25" dirty="0">
-                <a:solidFill>
-                  <a:srgbClr val="FF0000"/>
+              <a:rPr sz="1950" b="1" spc="-25" dirty="0">
+                <a:solidFill>
+                  <a:srgbClr val="C00000"/>
                 </a:solidFill>
                 <a:latin typeface="Courier New"/>
                 <a:cs typeface="Courier New"/>
               </a:rPr>
               <a:t>5</a:t>
             </a:r>
-            <a:endParaRPr sz="1950" dirty="0">
+            <a:endParaRPr sz="1950" b="1" dirty="0">
+              <a:solidFill>
+                <a:srgbClr val="C00000"/>
+              </a:solidFill>
               <a:latin typeface="Verdana"/>
               <a:cs typeface="Verdana"/>
             </a:endParaRPr>
@@ -10576,7 +10579,17 @@
                 <a:latin typeface="Consolas"/>
                 <a:cs typeface="Consolas"/>
               </a:rPr>
-              <a:t>bit</a:t>
+              <a:t>b</a:t>
+            </a:r>
+            <a:r>
+              <a:rPr lang="nl-NL" sz="1500" i="1" dirty="0">
+                <a:solidFill>
+                  <a:srgbClr val="46C249"/>
+                </a:solidFill>
+                <a:latin typeface="Consolas"/>
+                <a:cs typeface="Consolas"/>
+              </a:rPr>
+              <a:t>e</a:t>
             </a:r>
             <a:r>
               <a:rPr sz="1500" i="1" dirty="0">
@@ -14254,7 +14267,7 @@
         <p:spPr>
           <a:xfrm>
             <a:off x="1547000" y="1831219"/>
-            <a:ext cx="3851275" cy="2635250"/>
+            <a:ext cx="3851275" cy="2661498"/>
           </a:xfrm>
           <a:prstGeom prst="rect">
             <a:avLst/>
@@ -14273,6 +14286,9 @@
             </a:pPr>
             <a:r>
               <a:rPr sz="1500" dirty="0">
+                <a:solidFill>
+                  <a:srgbClr val="C00000"/>
+                </a:solidFill>
                 <a:latin typeface="Consolas"/>
                 <a:cs typeface="Consolas"/>
               </a:rPr>
@@ -14299,10 +14315,6 @@
               </a:rPr>
               <a:t>{</a:t>
             </a:r>
-            <a:endParaRPr sz="1500">
-              <a:latin typeface="Consolas"/>
-              <a:cs typeface="Consolas"/>
-            </a:endParaRPr>
           </a:p>
           <a:p>
             <a:pPr marL="330835">
@@ -14353,7 +14365,7 @@
               </a:rPr>
               <a:t>NEW:</a:t>
             </a:r>
-            <a:endParaRPr sz="1500">
+            <a:endParaRPr sz="1500" dirty="0">
               <a:latin typeface="Consolas"/>
               <a:cs typeface="Consolas"/>
             </a:endParaRPr>
@@ -14453,7 +14465,7 @@
               </a:rPr>
               <a:t>.route.params</a:t>
             </a:r>
-            <a:endParaRPr sz="1500">
+            <a:endParaRPr sz="1500" dirty="0">
               <a:latin typeface="Consolas"/>
               <a:cs typeface="Consolas"/>
             </a:endParaRPr>
@@ -14791,7 +14803,7 @@
               </a:rPr>
               <a:t>];</a:t>
             </a:r>
-            <a:endParaRPr sz="1500">
+            <a:endParaRPr sz="1500" dirty="0">
               <a:latin typeface="Consolas"/>
               <a:cs typeface="Consolas"/>
             </a:endParaRPr>
@@ -14812,7 +14824,7 @@
               </a:rPr>
               <a:t>});</a:t>
             </a:r>
-            <a:endParaRPr sz="1500">
+            <a:endParaRPr sz="1500" dirty="0">
               <a:latin typeface="Consolas"/>
               <a:cs typeface="Consolas"/>
             </a:endParaRPr>
@@ -14833,10 +14845,6 @@
               </a:rPr>
               <a:t>}</a:t>
             </a:r>
-            <a:endParaRPr sz="1500">
-              <a:latin typeface="Consolas"/>
-              <a:cs typeface="Consolas"/>
-            </a:endParaRPr>
           </a:p>
         </p:txBody>
       </p:sp>
@@ -14849,7 +14857,7 @@
         <p:spPr>
           <a:xfrm>
             <a:off x="1547026" y="4939383"/>
-            <a:ext cx="8420100" cy="1598930"/>
+            <a:ext cx="8420100" cy="1615827"/>
           </a:xfrm>
           <a:prstGeom prst="rect">
             <a:avLst/>
@@ -14867,37 +14875,42 @@
               </a:lnSpc>
             </a:pPr>
             <a:r>
+              <a:rPr sz="1500" b="1" dirty="0">
+                <a:solidFill>
+                  <a:srgbClr val="C00000"/>
+                </a:solidFill>
+                <a:latin typeface="Consolas"/>
+                <a:cs typeface="Consolas"/>
+              </a:rPr>
+              <a:t>ngOnDestroy()</a:t>
+            </a:r>
+            <a:r>
+              <a:rPr sz="1500" b="1" dirty="0">
+                <a:solidFill>
+                  <a:srgbClr val="C00000"/>
+                </a:solidFill>
+                <a:latin typeface="Times New Roman"/>
+                <a:cs typeface="Times New Roman"/>
+              </a:rPr>
+              <a:t> </a:t>
+            </a:r>
+            <a:r>
+              <a:rPr sz="1500" b="1" spc="95" dirty="0">
+                <a:solidFill>
+                  <a:srgbClr val="C00000"/>
+                </a:solidFill>
+                <a:latin typeface="Times New Roman"/>
+                <a:cs typeface="Times New Roman"/>
+              </a:rPr>
+              <a:t> </a:t>
+            </a:r>
+            <a:r>
               <a:rPr sz="1500" dirty="0">
                 <a:latin typeface="Consolas"/>
                 <a:cs typeface="Consolas"/>
               </a:rPr>
-              <a:t>ngOnDestroy()</a:t>
-            </a:r>
-            <a:r>
-              <a:rPr sz="1500" dirty="0">
-                <a:latin typeface="Times New Roman"/>
-                <a:cs typeface="Times New Roman"/>
-              </a:rPr>
-              <a:t> </a:t>
-            </a:r>
-            <a:r>
-              <a:rPr sz="1500" spc="95" dirty="0">
-                <a:latin typeface="Times New Roman"/>
-                <a:cs typeface="Times New Roman"/>
-              </a:rPr>
-              <a:t> </a:t>
-            </a:r>
-            <a:r>
-              <a:rPr sz="1500" dirty="0">
-                <a:latin typeface="Consolas"/>
-                <a:cs typeface="Consolas"/>
-              </a:rPr>
               <a:t>{</a:t>
             </a:r>
-            <a:endParaRPr sz="1500">
-              <a:latin typeface="Consolas"/>
-              <a:cs typeface="Consolas"/>
-            </a:endParaRPr>
           </a:p>
           <a:p>
             <a:pPr marL="330835">
@@ -15298,7 +15311,7 @@
               </a:rPr>
               <a:t>component.</a:t>
             </a:r>
-            <a:endParaRPr sz="1500">
+            <a:endParaRPr sz="1500" dirty="0">
               <a:latin typeface="Consolas"/>
               <a:cs typeface="Consolas"/>
             </a:endParaRPr>
@@ -15642,7 +15655,7 @@
               </a:rPr>
               <a:t>leak.</a:t>
             </a:r>
-            <a:endParaRPr sz="1500">
+            <a:endParaRPr sz="1500" dirty="0">
               <a:latin typeface="Consolas"/>
               <a:cs typeface="Consolas"/>
             </a:endParaRPr>
@@ -15673,7 +15686,7 @@
               </a:rPr>
               <a:t>.sub.unsubscribe();</a:t>
             </a:r>
-            <a:endParaRPr sz="1500">
+            <a:endParaRPr sz="1500" dirty="0">
               <a:latin typeface="Consolas"/>
               <a:cs typeface="Consolas"/>
             </a:endParaRPr>
@@ -15694,10 +15707,6 @@
               </a:rPr>
               <a:t>}</a:t>
             </a:r>
-            <a:endParaRPr sz="1500">
-              <a:latin typeface="Consolas"/>
-              <a:cs typeface="Consolas"/>
-            </a:endParaRPr>
           </a:p>
         </p:txBody>
       </p:sp>
@@ -24258,6 +24267,16 @@
               <a:t>in</a:t>
             </a:r>
             <a:r>
+              <a:rPr lang="nl-NL" sz="1950" b="1" spc="-15" dirty="0">
+                <a:solidFill>
+                  <a:srgbClr val="FF0000"/>
+                </a:solidFill>
+                <a:latin typeface="Verdana"/>
+                <a:cs typeface="Verdana"/>
+              </a:rPr>
+              <a:t>:</a:t>
+            </a:r>
+            <a:r>
               <a:rPr sz="1950" b="1" spc="210" dirty="0">
                 <a:solidFill>
                   <a:srgbClr val="FF0000"/>
@@ -24268,13 +24287,19 @@
               <a:t> </a:t>
             </a:r>
             <a:r>
-              <a:rPr sz="1950" spc="-25" dirty="0">
+              <a:rPr sz="1950" b="1" i="1" spc="-25" dirty="0">
+                <a:solidFill>
+                  <a:srgbClr val="C00000"/>
+                </a:solidFill>
                 <a:latin typeface="Courier New"/>
                 <a:cs typeface="Courier New"/>
               </a:rPr>
               <a:t>&lt;router-outlet&gt;&lt;/router-outlet&gt;</a:t>
             </a:r>
-            <a:endParaRPr sz="1950" dirty="0">
+            <a:endParaRPr sz="1950" b="1" i="1" dirty="0">
+              <a:solidFill>
+                <a:srgbClr val="C00000"/>
+              </a:solidFill>
               <a:latin typeface="Courier New"/>
               <a:cs typeface="Courier New"/>
             </a:endParaRPr>
@@ -24943,7 +24968,7 @@
         <p:spPr>
           <a:xfrm>
             <a:off x="2741055" y="3364703"/>
-            <a:ext cx="5175250" cy="1767839"/>
+            <a:ext cx="5175250" cy="1862048"/>
           </a:xfrm>
           <a:prstGeom prst="rect">
             <a:avLst/>
@@ -24970,7 +24995,7 @@
               </a:rPr>
               <a:t>HomeComponent</a:t>
             </a:r>
-            <a:endParaRPr sz="3200">
+            <a:endParaRPr sz="3200" dirty="0">
               <a:latin typeface="Verdana"/>
               <a:cs typeface="Verdana"/>
             </a:endParaRPr>
@@ -24981,7 +25006,7 @@
                 <a:spcPct val="100000"/>
               </a:lnSpc>
             </a:pPr>
-            <a:endParaRPr sz="3200">
+            <a:endParaRPr sz="3200" dirty="0">
               <a:latin typeface="Times New Roman"/>
               <a:cs typeface="Times New Roman"/>
             </a:endParaRPr>
@@ -24995,7 +25020,7 @@
                 <a:spcPts val="39"/>
               </a:spcBef>
             </a:pPr>
-            <a:endParaRPr sz="2700">
+            <a:endParaRPr sz="2700" dirty="0">
               <a:latin typeface="Times New Roman"/>
               <a:cs typeface="Times New Roman"/>
             </a:endParaRPr>
@@ -25008,15 +25033,14 @@
             </a:pPr>
             <a:r>
               <a:rPr sz="3000" dirty="0">
+                <a:solidFill>
+                  <a:srgbClr val="C00000"/>
+                </a:solidFill>
                 <a:latin typeface="Arial"/>
                 <a:cs typeface="Arial"/>
               </a:rPr>
               <a:t>&lt;router-outlet&gt;&lt;/router-outlet&gt;</a:t>
             </a:r>
-            <a:endParaRPr sz="3000">
-              <a:latin typeface="Arial"/>
-              <a:cs typeface="Arial"/>
-            </a:endParaRPr>
           </a:p>
         </p:txBody>
       </p:sp>
@@ -28899,35 +28923,50 @@
               </a:tabLst>
             </a:pPr>
             <a:r>
-              <a:rPr sz="3450" dirty="0">
+              <a:rPr sz="3450" b="1" dirty="0">
+                <a:solidFill>
+                  <a:schemeClr val="accent2"/>
+                </a:solidFill>
                 <a:latin typeface="Verdana"/>
                 <a:cs typeface="Verdana"/>
               </a:rPr>
               <a:t>Base</a:t>
             </a:r>
             <a:r>
-              <a:rPr sz="3450" spc="350" dirty="0">
-                <a:latin typeface="Times New Roman"/>
-                <a:cs typeface="Times New Roman"/>
-              </a:rPr>
-              <a:t> </a:t>
-            </a:r>
-            <a:r>
-              <a:rPr sz="3450" spc="-5" dirty="0">
+              <a:rPr sz="3450" b="1" spc="350" dirty="0">
+                <a:solidFill>
+                  <a:schemeClr val="accent2"/>
+                </a:solidFill>
+                <a:latin typeface="Times New Roman"/>
+                <a:cs typeface="Times New Roman"/>
+              </a:rPr>
+              <a:t> </a:t>
+            </a:r>
+            <a:r>
+              <a:rPr sz="3450" b="1" spc="-5" dirty="0">
+                <a:solidFill>
+                  <a:schemeClr val="accent2"/>
+                </a:solidFill>
                 <a:latin typeface="Verdana"/>
                 <a:cs typeface="Verdana"/>
               </a:rPr>
               <a:t>Hre</a:t>
             </a:r>
             <a:r>
-              <a:rPr sz="3450" dirty="0">
+              <a:rPr sz="3450" b="1" dirty="0">
+                <a:solidFill>
+                  <a:schemeClr val="accent2"/>
+                </a:solidFill>
                 <a:latin typeface="Verdana"/>
                 <a:cs typeface="Verdana"/>
               </a:rPr>
               <a:t>f</a:t>
             </a:r>
             <a:r>
-              <a:rPr sz="3450" spc="350" dirty="0">
+              <a:rPr sz="3450" b="1" spc="350" dirty="0">
+                <a:solidFill>
+                  <a:schemeClr val="accent2"/>
+                </a:solidFill>
                 <a:latin typeface="Times New Roman"/>
                 <a:cs typeface="Times New Roman"/>
               </a:rPr>
@@ -29396,7 +29435,7 @@
         <p:spPr>
           <a:xfrm>
             <a:off x="1266584" y="1503657"/>
-            <a:ext cx="9140825" cy="5364480"/>
+            <a:ext cx="9140825" cy="4755404"/>
           </a:xfrm>
           <a:prstGeom prst="rect">
             <a:avLst/>
@@ -29414,131 +29453,12 @@
               </a:lnSpc>
             </a:pPr>
             <a:r>
-              <a:rPr sz="1950" spc="-10" dirty="0">
-                <a:latin typeface="Verdana"/>
-                <a:cs typeface="Verdana"/>
-              </a:rPr>
-              <a:t>2.</a:t>
-            </a:r>
-            <a:r>
-              <a:rPr sz="1950" spc="190" dirty="0">
-                <a:latin typeface="Times New Roman"/>
-                <a:cs typeface="Times New Roman"/>
-              </a:rPr>
-              <a:t> </a:t>
-            </a:r>
-            <a:r>
-              <a:rPr sz="1950" spc="-70" dirty="0">
-                <a:latin typeface="Verdana"/>
-                <a:cs typeface="Verdana"/>
-              </a:rPr>
-              <a:t>R</a:t>
-            </a:r>
-            <a:r>
-              <a:rPr sz="1950" spc="-15" dirty="0">
-                <a:latin typeface="Verdana"/>
-                <a:cs typeface="Verdana"/>
-              </a:rPr>
-              <a:t>outes</a:t>
-            </a:r>
-            <a:r>
-              <a:rPr sz="1950" spc="190" dirty="0">
-                <a:latin typeface="Times New Roman"/>
-                <a:cs typeface="Times New Roman"/>
-              </a:rPr>
-              <a:t> </a:t>
-            </a:r>
-            <a:r>
-              <a:rPr sz="1950" spc="-15" dirty="0">
-                <a:latin typeface="Verdana"/>
-                <a:cs typeface="Verdana"/>
-              </a:rPr>
-              <a:t>toe</a:t>
-            </a:r>
-            <a:r>
-              <a:rPr sz="1950" spc="-35" dirty="0">
-                <a:latin typeface="Verdana"/>
-                <a:cs typeface="Verdana"/>
-              </a:rPr>
-              <a:t>v</a:t>
-            </a:r>
-            <a:r>
-              <a:rPr sz="1950" spc="-15" dirty="0">
-                <a:latin typeface="Verdana"/>
-                <a:cs typeface="Verdana"/>
-              </a:rPr>
-              <a:t>oegen.</a:t>
-            </a:r>
-            <a:r>
               <a:rPr sz="1950" spc="180" dirty="0">
                 <a:latin typeface="Times New Roman"/>
                 <a:cs typeface="Times New Roman"/>
               </a:rPr>
               <a:t> </a:t>
             </a:r>
-            <a:r>
-              <a:rPr sz="1950" spc="-20" dirty="0">
-                <a:latin typeface="Verdana"/>
-                <a:cs typeface="Verdana"/>
-              </a:rPr>
-              <a:t>Co</a:t>
-            </a:r>
-            <a:r>
-              <a:rPr sz="1950" spc="-35" dirty="0">
-                <a:latin typeface="Verdana"/>
-                <a:cs typeface="Verdana"/>
-              </a:rPr>
-              <a:t>nv</a:t>
-            </a:r>
-            <a:r>
-              <a:rPr sz="1950" spc="-10" dirty="0">
-                <a:latin typeface="Verdana"/>
-                <a:cs typeface="Verdana"/>
-              </a:rPr>
-              <a:t>ention:</a:t>
-            </a:r>
-            <a:r>
-              <a:rPr sz="1950" spc="180" dirty="0">
-                <a:latin typeface="Times New Roman"/>
-                <a:cs typeface="Times New Roman"/>
-              </a:rPr>
-              <a:t> </a:t>
-            </a:r>
-            <a:r>
-              <a:rPr sz="1950" spc="-25" dirty="0">
-                <a:latin typeface="Courier New"/>
-                <a:cs typeface="Courier New"/>
-              </a:rPr>
-              <a:t>app.routes.t</a:t>
-            </a:r>
-            <a:r>
-              <a:rPr sz="1950" spc="-20" dirty="0">
-                <a:latin typeface="Courier New"/>
-                <a:cs typeface="Courier New"/>
-              </a:rPr>
-              <a:t>s</a:t>
-            </a:r>
-            <a:r>
-              <a:rPr sz="1950" spc="-10" dirty="0">
-                <a:latin typeface="Verdana"/>
-                <a:cs typeface="Verdana"/>
-              </a:rPr>
-              <a:t>.</a:t>
-            </a:r>
-            <a:endParaRPr sz="1950" dirty="0">
-              <a:latin typeface="Verdana"/>
-              <a:cs typeface="Verdana"/>
-            </a:endParaRPr>
-          </a:p>
-          <a:p>
-            <a:pPr>
-              <a:lnSpc>
-                <a:spcPct val="100000"/>
-              </a:lnSpc>
-              <a:spcBef>
-                <a:spcPts val="3"/>
-              </a:spcBef>
-            </a:pPr>
             <a:endParaRPr sz="2750" dirty="0">
               <a:latin typeface="Times New Roman"/>
               <a:cs typeface="Times New Roman"/>
@@ -29753,36 +29673,17 @@
               </a:rPr>
               <a:t> </a:t>
             </a:r>
-            <a:r>
-              <a:rPr sz="1700" spc="-5" dirty="0">
-                <a:solidFill>
-                  <a:srgbClr val="000080"/>
-                </a:solidFill>
-                <a:latin typeface="Consolas"/>
-                <a:cs typeface="Consolas"/>
-              </a:rPr>
-              <a:t>impor</a:t>
-            </a:r>
-            <a:r>
-              <a:rPr sz="1700" spc="5" dirty="0">
-                <a:solidFill>
-                  <a:srgbClr val="000080"/>
-                </a:solidFill>
-                <a:latin typeface="Consolas"/>
-                <a:cs typeface="Consolas"/>
-              </a:rPr>
-              <a:t>t</a:t>
-            </a:r>
-            <a:r>
-              <a:rPr sz="1700" dirty="0">
-                <a:solidFill>
-                  <a:srgbClr val="000080"/>
-                </a:solidFill>
-                <a:latin typeface="Times New Roman"/>
-                <a:cs typeface="Times New Roman"/>
-              </a:rPr>
-              <a:t> </a:t>
-            </a:r>
+            <a:endParaRPr lang="nl-NL" sz="1700" dirty="0">
+              <a:latin typeface="Times New Roman"/>
+              <a:cs typeface="Times New Roman"/>
+            </a:endParaRPr>
+          </a:p>
+          <a:p>
+            <a:pPr marL="137160" marR="3599179">
+              <a:lnSpc>
+                <a:spcPct val="152400"/>
+              </a:lnSpc>
+            </a:pPr>
             <a:r>
               <a:rPr lang="en-US" sz="1700" spc="-5" dirty="0">
                 <a:solidFill>
@@ -30637,6 +30538,122 @@
               <a:latin typeface="Times New Roman"/>
               <a:cs typeface="Times New Roman"/>
             </a:endParaRPr>
+          </a:p>
+        </p:txBody>
+      </p:sp>
+      <p:sp>
+        <p:nvSpPr>
+          <p:cNvPr id="3" name="Rectangle 2">
+            <a:extLst>
+              <a:ext uri="{FF2B5EF4-FFF2-40B4-BE49-F238E27FC236}">
+                <a16:creationId xmlns:a16="http://schemas.microsoft.com/office/drawing/2014/main" id="{7E454DA3-CA49-884C-9A2E-5AFA6A528756}"/>
+              </a:ext>
+            </a:extLst>
+          </p:cNvPr>
+          <p:cNvSpPr/>
+          <p:nvPr/>
+        </p:nvSpPr>
+        <p:spPr>
+          <a:xfrm>
+            <a:off x="774700" y="504825"/>
+            <a:ext cx="8382000" cy="523220"/>
+          </a:xfrm>
+          <a:prstGeom prst="rect">
+            <a:avLst/>
+          </a:prstGeom>
+        </p:spPr>
+        <p:txBody>
+          <a:bodyPr wrap="square">
+            <a:spAutoFit/>
+          </a:bodyPr>
+          <a:lstStyle/>
+          <a:p>
+            <a:pPr algn="ctr"/>
+            <a:r>
+              <a:rPr lang="en-US" sz="2800" b="1" spc="-10" dirty="0">
+                <a:latin typeface="Verdana"/>
+                <a:cs typeface="Verdana"/>
+              </a:rPr>
+              <a:t>2.</a:t>
+            </a:r>
+            <a:r>
+              <a:rPr lang="en-US" sz="2800" b="1" spc="190" dirty="0">
+                <a:latin typeface="Times New Roman"/>
+                <a:cs typeface="Times New Roman"/>
+              </a:rPr>
+              <a:t> </a:t>
+            </a:r>
+            <a:r>
+              <a:rPr lang="en-US" sz="2800" b="1" spc="-70" dirty="0">
+                <a:latin typeface="Verdana"/>
+                <a:cs typeface="Verdana"/>
+              </a:rPr>
+              <a:t>R</a:t>
+            </a:r>
+            <a:r>
+              <a:rPr lang="en-US" sz="2800" b="1" spc="-15" dirty="0">
+                <a:latin typeface="Verdana"/>
+                <a:cs typeface="Verdana"/>
+              </a:rPr>
+              <a:t>outes</a:t>
+            </a:r>
+            <a:r>
+              <a:rPr lang="en-US" sz="2800" b="1" spc="190" dirty="0">
+                <a:latin typeface="Times New Roman"/>
+                <a:cs typeface="Times New Roman"/>
+              </a:rPr>
+              <a:t> </a:t>
+            </a:r>
+            <a:r>
+              <a:rPr lang="en-US" sz="2800" b="1" spc="-15" dirty="0" err="1">
+                <a:latin typeface="Verdana"/>
+                <a:cs typeface="Verdana"/>
+              </a:rPr>
+              <a:t>toe</a:t>
+            </a:r>
+            <a:r>
+              <a:rPr lang="en-US" sz="2800" b="1" spc="-35" dirty="0" err="1">
+                <a:latin typeface="Verdana"/>
+                <a:cs typeface="Verdana"/>
+              </a:rPr>
+              <a:t>v</a:t>
+            </a:r>
+            <a:r>
+              <a:rPr lang="en-US" sz="2800" b="1" spc="-15" dirty="0" err="1">
+                <a:latin typeface="Verdana"/>
+                <a:cs typeface="Verdana"/>
+              </a:rPr>
+              <a:t>oegen</a:t>
+            </a:r>
+            <a:r>
+              <a:rPr lang="en-US" sz="2800" b="1" spc="-15" dirty="0">
+                <a:latin typeface="Verdana"/>
+                <a:cs typeface="Verdana"/>
+              </a:rPr>
+              <a:t> in </a:t>
+            </a:r>
+            <a:r>
+              <a:rPr lang="en-US" sz="2800" spc="-25" dirty="0" err="1">
+                <a:latin typeface="Courier New"/>
+                <a:cs typeface="Courier New"/>
+              </a:rPr>
+              <a:t>app.routes.t</a:t>
+            </a:r>
+            <a:r>
+              <a:rPr lang="en-US" sz="2800" spc="-20" dirty="0" err="1">
+                <a:latin typeface="Courier New"/>
+                <a:cs typeface="Courier New"/>
+              </a:rPr>
+              <a:t>s</a:t>
+            </a:r>
+            <a:r>
+              <a:rPr lang="en-US" sz="2800" b="1" spc="-15" dirty="0">
+                <a:latin typeface="Verdana"/>
+                <a:cs typeface="Verdana"/>
+              </a:rPr>
+              <a:t> </a:t>
+            </a:r>
+            <a:endParaRPr lang="en-US" sz="2800" dirty="0"/>
           </a:p>
         </p:txBody>
       </p:sp>
@@ -31840,10 +31857,6 @@
               </a:rPr>
               <a:t>],</a:t>
             </a:r>
-            <a:endParaRPr sz="1500">
-              <a:latin typeface="Consolas"/>
-              <a:cs typeface="Consolas"/>
-            </a:endParaRPr>
           </a:p>
           <a:p>
             <a:pPr marL="649605" marR="1067435" indent="-318770">
@@ -31931,7 +31944,7 @@
               </a:rPr>
               <a:t>CityAddComponent</a:t>
             </a:r>
-            <a:endParaRPr sz="1500">
+            <a:endParaRPr sz="1500" dirty="0">
               <a:latin typeface="Consolas"/>
               <a:cs typeface="Consolas"/>
             </a:endParaRPr>
@@ -31952,10 +31965,6 @@
               </a:rPr>
               <a:t>],</a:t>
             </a:r>
-            <a:endParaRPr sz="1500">
-              <a:latin typeface="Consolas"/>
-              <a:cs typeface="Consolas"/>
-            </a:endParaRPr>
           </a:p>
           <a:p>
             <a:pPr marL="330835">
@@ -32018,7 +32027,7 @@
               </a:rPr>
               <a:t>[MainComponent]</a:t>
             </a:r>
-            <a:endParaRPr sz="1500">
+            <a:endParaRPr sz="1500" dirty="0">
               <a:latin typeface="Consolas"/>
               <a:cs typeface="Consolas"/>
             </a:endParaRPr>
@@ -32039,10 +32048,6 @@
               </a:rPr>
               <a:t>})</a:t>
             </a:r>
-            <a:endParaRPr sz="1500">
-              <a:latin typeface="Consolas"/>
-              <a:cs typeface="Consolas"/>
-            </a:endParaRPr>
           </a:p>
           <a:p>
             <a:pPr marL="12700">
@@ -32148,10 +32153,6 @@
               </a:rPr>
               <a:t>{</a:t>
             </a:r>
-            <a:endParaRPr sz="1500">
-              <a:latin typeface="Consolas"/>
-              <a:cs typeface="Consolas"/>
-            </a:endParaRPr>
           </a:p>
         </p:txBody>
       </p:sp>
@@ -32921,7 +32922,7 @@
         <p:spPr>
           <a:xfrm>
             <a:off x="1178187" y="1269733"/>
-            <a:ext cx="7569834" cy="767715"/>
+            <a:ext cx="7569834" cy="792525"/>
           </a:xfrm>
           <a:prstGeom prst="rect">
             <a:avLst/>
@@ -32979,38 +32980,38 @@
               <a:t> </a:t>
             </a:r>
             <a:r>
+              <a:rPr lang="nl-NL" sz="1950" spc="-15" dirty="0">
+                <a:latin typeface="Verdana"/>
+                <a:cs typeface="Verdana"/>
+              </a:rPr>
+              <a:t>voor</a:t>
+            </a:r>
+            <a:r>
+              <a:rPr sz="1950" spc="200" dirty="0">
+                <a:latin typeface="Times New Roman"/>
+                <a:cs typeface="Times New Roman"/>
+              </a:rPr>
+              <a:t> </a:t>
+            </a:r>
+            <a:r>
+              <a:rPr sz="1950" u="sng" spc="-15" dirty="0">
+                <a:latin typeface="Verdana"/>
+                <a:cs typeface="Verdana"/>
+              </a:rPr>
+              <a:t>hoofdmenu</a:t>
+            </a:r>
+            <a:r>
+              <a:rPr sz="1950" spc="180" dirty="0">
+                <a:latin typeface="Times New Roman"/>
+                <a:cs typeface="Times New Roman"/>
+              </a:rPr>
+              <a:t> </a:t>
+            </a:r>
+            <a:r>
               <a:rPr sz="1950" spc="-15" dirty="0">
                 <a:latin typeface="Verdana"/>
                 <a:cs typeface="Verdana"/>
               </a:rPr>
-              <a:t>met</a:t>
-            </a:r>
-            <a:r>
-              <a:rPr sz="1950" spc="200" dirty="0">
-                <a:latin typeface="Times New Roman"/>
-                <a:cs typeface="Times New Roman"/>
-              </a:rPr>
-              <a:t> </a:t>
-            </a:r>
-            <a:r>
-              <a:rPr sz="1950" spc="-15" dirty="0">
-                <a:latin typeface="Verdana"/>
-                <a:cs typeface="Verdana"/>
-              </a:rPr>
-              <a:t>hoofdmenu</a:t>
-            </a:r>
-            <a:r>
-              <a:rPr sz="1950" spc="180" dirty="0">
-                <a:latin typeface="Times New Roman"/>
-                <a:cs typeface="Times New Roman"/>
-              </a:rPr>
-              <a:t> </a:t>
-            </a:r>
-            <a:r>
-              <a:rPr sz="1950" spc="-15" dirty="0">
-                <a:latin typeface="Verdana"/>
-                <a:cs typeface="Verdana"/>
-              </a:rPr>
               <a:t>en</a:t>
             </a:r>
             <a:r>
@@ -33021,13 +33022,19 @@
               <a:t> </a:t>
             </a:r>
             <a:r>
-              <a:rPr sz="1950" spc="-25" dirty="0">
+              <a:rPr sz="1950" b="1" spc="-25" dirty="0">
+                <a:solidFill>
+                  <a:srgbClr val="C00000"/>
+                </a:solidFill>
                 <a:latin typeface="Courier New"/>
                 <a:cs typeface="Courier New"/>
               </a:rPr>
               <a:t>&lt;router-outlet&gt;</a:t>
             </a:r>
-            <a:endParaRPr sz="1950">
+            <a:endParaRPr sz="1950" b="1" dirty="0">
+              <a:solidFill>
+                <a:srgbClr val="C00000"/>
+              </a:solidFill>
               <a:latin typeface="Courier New"/>
               <a:cs typeface="Courier New"/>
             </a:endParaRPr>
@@ -33041,7 +33048,7 @@
                 <a:spcPts val="1"/>
               </a:spcBef>
             </a:pPr>
-            <a:endParaRPr sz="1700">
+            <a:endParaRPr sz="1700" dirty="0">
               <a:latin typeface="Times New Roman"/>
               <a:cs typeface="Times New Roman"/>
             </a:endParaRPr>
@@ -33195,10 +33202,6 @@
               </a:rPr>
               <a:t>;</a:t>
             </a:r>
-            <a:endParaRPr sz="1500">
-              <a:latin typeface="Consolas"/>
-              <a:cs typeface="Consolas"/>
-            </a:endParaRPr>
           </a:p>
         </p:txBody>
       </p:sp>
@@ -33211,7 +33214,7 @@
         <p:spPr>
           <a:xfrm>
             <a:off x="1178205" y="2280788"/>
-            <a:ext cx="5123815" cy="1137920"/>
+            <a:ext cx="5123815" cy="1158779"/>
           </a:xfrm>
           <a:prstGeom prst="rect">
             <a:avLst/>
@@ -33235,7 +33238,7 @@
               </a:rPr>
               <a:t>@Component({</a:t>
             </a:r>
-            <a:endParaRPr sz="1500">
+            <a:endParaRPr sz="1500" dirty="0">
               <a:latin typeface="Consolas"/>
               <a:cs typeface="Consolas"/>
             </a:endParaRPr>
@@ -33366,7 +33369,7 @@
               </a:rPr>
               <a:t>`</a:t>
             </a:r>
-            <a:endParaRPr sz="1500">
+            <a:endParaRPr sz="1500" dirty="0">
               <a:latin typeface="Consolas"/>
               <a:cs typeface="Consolas"/>
             </a:endParaRPr>
@@ -33520,7 +33523,7 @@
               </a:rPr>
               <a:t>ity&lt;/h1&gt;</a:t>
             </a:r>
-            <a:endParaRPr sz="1500">
+            <a:endParaRPr sz="1500" dirty="0">
               <a:latin typeface="Consolas"/>
               <a:cs typeface="Consolas"/>
             </a:endParaRPr>
@@ -33535,9 +33538,9 @@
               </a:spcBef>
             </a:pPr>
             <a:r>
-              <a:rPr sz="1500" spc="5" dirty="0">
-                <a:solidFill>
-                  <a:srgbClr val="008000"/>
+              <a:rPr sz="1500" i="1" spc="5" dirty="0">
+                <a:solidFill>
+                  <a:srgbClr val="C00000"/>
                 </a:solidFill>
                 <a:latin typeface="Consolas"/>
                 <a:cs typeface="Consolas"/>
@@ -33545,9 +33548,9 @@
               <a:t>&lt;</a:t>
             </a:r>
             <a:r>
-              <a:rPr sz="1500" dirty="0">
-                <a:solidFill>
-                  <a:srgbClr val="008000"/>
+              <a:rPr sz="1500" i="1" dirty="0">
+                <a:solidFill>
+                  <a:srgbClr val="C00000"/>
                 </a:solidFill>
                 <a:latin typeface="Consolas"/>
                 <a:cs typeface="Consolas"/>
@@ -33555,19 +33558,19 @@
               <a:t>!‐‐</a:t>
             </a:r>
             <a:r>
-              <a:rPr sz="1500" spc="15" dirty="0">
-                <a:solidFill>
-                  <a:srgbClr val="008000"/>
-                </a:solidFill>
-                <a:latin typeface="Consolas"/>
-                <a:cs typeface="Consolas"/>
-              </a:rPr>
-              <a:t> </a:t>
-            </a:r>
-            <a:r>
-              <a:rPr sz="1500" spc="5" dirty="0">
-                <a:solidFill>
-                  <a:srgbClr val="008000"/>
+              <a:rPr sz="1500" i="1" spc="15" dirty="0">
+                <a:solidFill>
+                  <a:srgbClr val="C00000"/>
+                </a:solidFill>
+                <a:latin typeface="Consolas"/>
+                <a:cs typeface="Consolas"/>
+              </a:rPr>
+              <a:t> </a:t>
+            </a:r>
+            <a:r>
+              <a:rPr sz="1500" i="1" spc="5" dirty="0">
+                <a:solidFill>
+                  <a:srgbClr val="C00000"/>
                 </a:solidFill>
                 <a:latin typeface="Consolas"/>
                 <a:cs typeface="Consolas"/>
@@ -33575,9 +33578,9 @@
               <a:t>Stati</a:t>
             </a:r>
             <a:r>
-              <a:rPr sz="1500" dirty="0">
-                <a:solidFill>
-                  <a:srgbClr val="008000"/>
+              <a:rPr sz="1500" i="1" dirty="0">
+                <a:solidFill>
+                  <a:srgbClr val="C00000"/>
                 </a:solidFill>
                 <a:latin typeface="Consolas"/>
                 <a:cs typeface="Consolas"/>
@@ -33585,29 +33588,29 @@
               <a:t>c</a:t>
             </a:r>
             <a:r>
-              <a:rPr sz="1500" dirty="0">
-                <a:solidFill>
-                  <a:srgbClr val="008000"/>
-                </a:solidFill>
-                <a:latin typeface="Times New Roman"/>
-                <a:cs typeface="Times New Roman"/>
-              </a:rPr>
-              <a:t> </a:t>
-            </a:r>
-            <a:r>
-              <a:rPr sz="1500" spc="90" dirty="0">
-                <a:solidFill>
-                  <a:srgbClr val="008000"/>
-                </a:solidFill>
-                <a:latin typeface="Times New Roman"/>
-                <a:cs typeface="Times New Roman"/>
-              </a:rPr>
-              <a:t> </a:t>
-            </a:r>
-            <a:r>
-              <a:rPr sz="1500" spc="5" dirty="0">
-                <a:solidFill>
-                  <a:srgbClr val="008000"/>
+              <a:rPr sz="1500" i="1" dirty="0">
+                <a:solidFill>
+                  <a:srgbClr val="C00000"/>
+                </a:solidFill>
+                <a:latin typeface="Times New Roman"/>
+                <a:cs typeface="Times New Roman"/>
+              </a:rPr>
+              <a:t> </a:t>
+            </a:r>
+            <a:r>
+              <a:rPr sz="1500" i="1" spc="90" dirty="0">
+                <a:solidFill>
+                  <a:srgbClr val="C00000"/>
+                </a:solidFill>
+                <a:latin typeface="Times New Roman"/>
+                <a:cs typeface="Times New Roman"/>
+              </a:rPr>
+              <a:t> </a:t>
+            </a:r>
+            <a:r>
+              <a:rPr sz="1500" i="1" spc="5" dirty="0">
+                <a:solidFill>
+                  <a:srgbClr val="C00000"/>
                 </a:solidFill>
                 <a:latin typeface="Consolas"/>
                 <a:cs typeface="Consolas"/>
@@ -33615,9 +33618,9 @@
               <a:t>'mai</a:t>
             </a:r>
             <a:r>
-              <a:rPr sz="1500" dirty="0">
-                <a:solidFill>
-                  <a:srgbClr val="008000"/>
+              <a:rPr sz="1500" i="1" dirty="0">
+                <a:solidFill>
+                  <a:srgbClr val="C00000"/>
                 </a:solidFill>
                 <a:latin typeface="Consolas"/>
                 <a:cs typeface="Consolas"/>
@@ -33625,29 +33628,29 @@
               <a:t>n</a:t>
             </a:r>
             <a:r>
-              <a:rPr sz="1500" dirty="0">
-                <a:solidFill>
-                  <a:srgbClr val="008000"/>
-                </a:solidFill>
-                <a:latin typeface="Times New Roman"/>
-                <a:cs typeface="Times New Roman"/>
-              </a:rPr>
-              <a:t> </a:t>
-            </a:r>
-            <a:r>
-              <a:rPr sz="1500" spc="90" dirty="0">
-                <a:solidFill>
-                  <a:srgbClr val="008000"/>
-                </a:solidFill>
-                <a:latin typeface="Times New Roman"/>
-                <a:cs typeface="Times New Roman"/>
-              </a:rPr>
-              <a:t> </a:t>
-            </a:r>
-            <a:r>
-              <a:rPr sz="1500" spc="5" dirty="0">
-                <a:solidFill>
-                  <a:srgbClr val="008000"/>
+              <a:rPr sz="1500" i="1" dirty="0">
+                <a:solidFill>
+                  <a:srgbClr val="C00000"/>
+                </a:solidFill>
+                <a:latin typeface="Times New Roman"/>
+                <a:cs typeface="Times New Roman"/>
+              </a:rPr>
+              <a:t> </a:t>
+            </a:r>
+            <a:r>
+              <a:rPr sz="1500" i="1" spc="90" dirty="0">
+                <a:solidFill>
+                  <a:srgbClr val="C00000"/>
+                </a:solidFill>
+                <a:latin typeface="Times New Roman"/>
+                <a:cs typeface="Times New Roman"/>
+              </a:rPr>
+              <a:t> </a:t>
+            </a:r>
+            <a:r>
+              <a:rPr sz="1500" i="1" spc="5" dirty="0">
+                <a:solidFill>
+                  <a:srgbClr val="C00000"/>
                 </a:solidFill>
                 <a:latin typeface="Consolas"/>
                 <a:cs typeface="Consolas"/>
@@ -33655,9 +33658,9 @@
               <a:t>menu'</a:t>
             </a:r>
             <a:r>
-              <a:rPr sz="1500" dirty="0">
-                <a:solidFill>
-                  <a:srgbClr val="008000"/>
+              <a:rPr sz="1500" i="1" dirty="0">
+                <a:solidFill>
+                  <a:srgbClr val="C00000"/>
                 </a:solidFill>
                 <a:latin typeface="Consolas"/>
                 <a:cs typeface="Consolas"/>
@@ -33665,29 +33668,29 @@
               <a:t>.</a:t>
             </a:r>
             <a:r>
-              <a:rPr sz="1500" dirty="0">
-                <a:solidFill>
-                  <a:srgbClr val="008000"/>
-                </a:solidFill>
-                <a:latin typeface="Times New Roman"/>
-                <a:cs typeface="Times New Roman"/>
-              </a:rPr>
-              <a:t> </a:t>
-            </a:r>
-            <a:r>
-              <a:rPr sz="1500" spc="90" dirty="0">
-                <a:solidFill>
-                  <a:srgbClr val="008000"/>
-                </a:solidFill>
-                <a:latin typeface="Times New Roman"/>
-                <a:cs typeface="Times New Roman"/>
-              </a:rPr>
-              <a:t> </a:t>
-            </a:r>
-            <a:r>
-              <a:rPr sz="1500" spc="5" dirty="0">
-                <a:solidFill>
-                  <a:srgbClr val="008000"/>
+              <a:rPr sz="1500" i="1" dirty="0">
+                <a:solidFill>
+                  <a:srgbClr val="C00000"/>
+                </a:solidFill>
+                <a:latin typeface="Times New Roman"/>
+                <a:cs typeface="Times New Roman"/>
+              </a:rPr>
+              <a:t> </a:t>
+            </a:r>
+            <a:r>
+              <a:rPr sz="1500" i="1" spc="90" dirty="0">
+                <a:solidFill>
+                  <a:srgbClr val="C00000"/>
+                </a:solidFill>
+                <a:latin typeface="Times New Roman"/>
+                <a:cs typeface="Times New Roman"/>
+              </a:rPr>
+              <a:t> </a:t>
+            </a:r>
+            <a:r>
+              <a:rPr sz="1500" i="1" spc="5" dirty="0">
+                <a:solidFill>
+                  <a:srgbClr val="C00000"/>
                 </a:solidFill>
                 <a:latin typeface="Consolas"/>
                 <a:cs typeface="Consolas"/>
@@ -33695,9 +33698,9 @@
               <a:t>Alway</a:t>
             </a:r>
             <a:r>
-              <a:rPr sz="1500" dirty="0">
-                <a:solidFill>
-                  <a:srgbClr val="008000"/>
+              <a:rPr sz="1500" i="1" dirty="0">
+                <a:solidFill>
+                  <a:srgbClr val="C00000"/>
                 </a:solidFill>
                 <a:latin typeface="Consolas"/>
                 <a:cs typeface="Consolas"/>
@@ -33705,29 +33708,29 @@
               <a:t>s</a:t>
             </a:r>
             <a:r>
-              <a:rPr sz="1500" dirty="0">
-                <a:solidFill>
-                  <a:srgbClr val="008000"/>
-                </a:solidFill>
-                <a:latin typeface="Times New Roman"/>
-                <a:cs typeface="Times New Roman"/>
-              </a:rPr>
-              <a:t> </a:t>
-            </a:r>
-            <a:r>
-              <a:rPr sz="1500" spc="90" dirty="0">
-                <a:solidFill>
-                  <a:srgbClr val="008000"/>
-                </a:solidFill>
-                <a:latin typeface="Times New Roman"/>
-                <a:cs typeface="Times New Roman"/>
-              </a:rPr>
-              <a:t> </a:t>
-            </a:r>
-            <a:r>
-              <a:rPr sz="1500" dirty="0">
-                <a:solidFill>
-                  <a:srgbClr val="008000"/>
+              <a:rPr sz="1500" i="1" dirty="0">
+                <a:solidFill>
+                  <a:srgbClr val="C00000"/>
+                </a:solidFill>
+                <a:latin typeface="Times New Roman"/>
+                <a:cs typeface="Times New Roman"/>
+              </a:rPr>
+              <a:t> </a:t>
+            </a:r>
+            <a:r>
+              <a:rPr sz="1500" i="1" spc="90" dirty="0">
+                <a:solidFill>
+                  <a:srgbClr val="C00000"/>
+                </a:solidFill>
+                <a:latin typeface="Times New Roman"/>
+                <a:cs typeface="Times New Roman"/>
+              </a:rPr>
+              <a:t> </a:t>
+            </a:r>
+            <a:r>
+              <a:rPr sz="1500" i="1" dirty="0">
+                <a:solidFill>
+                  <a:srgbClr val="C00000"/>
                 </a:solidFill>
                 <a:latin typeface="Consolas"/>
                 <a:cs typeface="Consolas"/>
@@ -33735,9 +33738,9 @@
               <a:t>visibl</a:t>
             </a:r>
             <a:r>
-              <a:rPr sz="1500" spc="5" dirty="0">
-                <a:solidFill>
-                  <a:srgbClr val="008000"/>
+              <a:rPr sz="1500" i="1" spc="5" dirty="0">
+                <a:solidFill>
+                  <a:srgbClr val="C00000"/>
                 </a:solidFill>
                 <a:latin typeface="Consolas"/>
                 <a:cs typeface="Consolas"/>
@@ -33745,19 +33748,15 @@
               <a:t>e</a:t>
             </a:r>
             <a:r>
-              <a:rPr sz="1500" dirty="0">
-                <a:solidFill>
-                  <a:srgbClr val="008000"/>
+              <a:rPr sz="1500" i="1" dirty="0">
+                <a:solidFill>
+                  <a:srgbClr val="C00000"/>
                 </a:solidFill>
                 <a:latin typeface="Consolas"/>
                 <a:cs typeface="Consolas"/>
               </a:rPr>
               <a:t>‐‐&gt;</a:t>
             </a:r>
-            <a:endParaRPr sz="1500">
-              <a:latin typeface="Consolas"/>
-              <a:cs typeface="Consolas"/>
-            </a:endParaRPr>
           </a:p>
         </p:txBody>
       </p:sp>
@@ -33773,8 +33772,8 @@
         </p:nvSpPr>
         <p:spPr>
           <a:xfrm>
-            <a:off x="1586617" y="2028825"/>
-            <a:ext cx="8895474" cy="4201518"/>
+            <a:off x="1586616" y="2028825"/>
+            <a:ext cx="9106783" cy="3914794"/>
           </a:xfrm>
           <a:prstGeom prst="rect">
             <a:avLst/>
@@ -33792,9 +33791,9 @@
               </a:lnSpc>
             </a:pPr>
             <a:r>
-              <a:rPr sz="1500" spc="5" dirty="0">
-                <a:solidFill>
-                  <a:srgbClr val="008000"/>
+              <a:rPr sz="1500" i="1" spc="5" dirty="0">
+                <a:solidFill>
+                  <a:srgbClr val="C00000"/>
                 </a:solidFill>
                 <a:latin typeface="Consolas"/>
                 <a:cs typeface="Consolas"/>
@@ -33802,9 +33801,9 @@
               <a:t>&lt;</a:t>
             </a:r>
             <a:r>
-              <a:rPr sz="1500" dirty="0">
-                <a:solidFill>
-                  <a:srgbClr val="008000"/>
+              <a:rPr sz="1500" i="1" dirty="0">
+                <a:solidFill>
+                  <a:srgbClr val="C00000"/>
                 </a:solidFill>
                 <a:latin typeface="Consolas"/>
                 <a:cs typeface="Consolas"/>
@@ -33812,19 +33811,19 @@
               <a:t>!‐‐</a:t>
             </a:r>
             <a:r>
-              <a:rPr sz="1500" spc="15" dirty="0">
-                <a:solidFill>
-                  <a:srgbClr val="008000"/>
-                </a:solidFill>
-                <a:latin typeface="Consolas"/>
-                <a:cs typeface="Consolas"/>
-              </a:rPr>
-              <a:t> </a:t>
-            </a:r>
-            <a:r>
-              <a:rPr sz="1500" spc="5" dirty="0">
-                <a:solidFill>
-                  <a:srgbClr val="008000"/>
+              <a:rPr sz="1500" i="1" spc="15" dirty="0">
+                <a:solidFill>
+                  <a:srgbClr val="C00000"/>
+                </a:solidFill>
+                <a:latin typeface="Consolas"/>
+                <a:cs typeface="Consolas"/>
+              </a:rPr>
+              <a:t> </a:t>
+            </a:r>
+            <a:r>
+              <a:rPr sz="1500" i="1" spc="5" dirty="0">
+                <a:solidFill>
+                  <a:srgbClr val="C00000"/>
                 </a:solidFill>
                 <a:latin typeface="Consolas"/>
                 <a:cs typeface="Consolas"/>
@@ -33832,9 +33831,9 @@
               <a:t>Ad</a:t>
             </a:r>
             <a:r>
-              <a:rPr sz="1500" dirty="0">
-                <a:solidFill>
-                  <a:srgbClr val="008000"/>
+              <a:rPr sz="1500" i="1" dirty="0">
+                <a:solidFill>
+                  <a:srgbClr val="C00000"/>
                 </a:solidFill>
                 <a:latin typeface="Consolas"/>
                 <a:cs typeface="Consolas"/>
@@ -33842,29 +33841,29 @@
               <a:t>d</a:t>
             </a:r>
             <a:r>
-              <a:rPr sz="1500" dirty="0">
-                <a:solidFill>
-                  <a:srgbClr val="008000"/>
-                </a:solidFill>
-                <a:latin typeface="Times New Roman"/>
-                <a:cs typeface="Times New Roman"/>
-              </a:rPr>
-              <a:t> </a:t>
-            </a:r>
-            <a:r>
-              <a:rPr sz="1500" spc="90" dirty="0">
-                <a:solidFill>
-                  <a:srgbClr val="008000"/>
-                </a:solidFill>
-                <a:latin typeface="Times New Roman"/>
-                <a:cs typeface="Times New Roman"/>
-              </a:rPr>
-              <a:t> </a:t>
-            </a:r>
-            <a:r>
-              <a:rPr sz="1500" dirty="0">
-                <a:solidFill>
-                  <a:srgbClr val="008000"/>
+              <a:rPr sz="1500" i="1" dirty="0">
+                <a:solidFill>
+                  <a:srgbClr val="C00000"/>
+                </a:solidFill>
+                <a:latin typeface="Times New Roman"/>
+                <a:cs typeface="Times New Roman"/>
+              </a:rPr>
+              <a:t> </a:t>
+            </a:r>
+            <a:r>
+              <a:rPr sz="1500" i="1" spc="90" dirty="0">
+                <a:solidFill>
+                  <a:srgbClr val="C00000"/>
+                </a:solidFill>
+                <a:latin typeface="Times New Roman"/>
+                <a:cs typeface="Times New Roman"/>
+              </a:rPr>
+              <a:t> </a:t>
+            </a:r>
+            <a:r>
+              <a:rPr sz="1500" i="1" dirty="0">
+                <a:solidFill>
+                  <a:srgbClr val="C00000"/>
                 </a:solidFill>
                 <a:latin typeface="Consolas"/>
                 <a:cs typeface="Consolas"/>
@@ -33872,9 +33871,9 @@
               <a:t>r</a:t>
             </a:r>
             <a:r>
-              <a:rPr sz="1500" spc="5" dirty="0">
-                <a:solidFill>
-                  <a:srgbClr val="008000"/>
+              <a:rPr sz="1500" i="1" spc="5" dirty="0">
+                <a:solidFill>
+                  <a:srgbClr val="C00000"/>
                 </a:solidFill>
                 <a:latin typeface="Consolas"/>
                 <a:cs typeface="Consolas"/>
@@ -33882,9 +33881,9 @@
               <a:t>outerLin</a:t>
             </a:r>
             <a:r>
-              <a:rPr sz="1500" dirty="0">
-                <a:solidFill>
-                  <a:srgbClr val="008000"/>
+              <a:rPr sz="1500" i="1" dirty="0">
+                <a:solidFill>
+                  <a:srgbClr val="C00000"/>
                 </a:solidFill>
                 <a:latin typeface="Consolas"/>
                 <a:cs typeface="Consolas"/>
@@ -33892,29 +33891,29 @@
               <a:t>k</a:t>
             </a:r>
             <a:r>
-              <a:rPr sz="1500" dirty="0">
-                <a:solidFill>
-                  <a:srgbClr val="008000"/>
-                </a:solidFill>
-                <a:latin typeface="Times New Roman"/>
-                <a:cs typeface="Times New Roman"/>
-              </a:rPr>
-              <a:t> </a:t>
-            </a:r>
-            <a:r>
-              <a:rPr sz="1500" spc="85" dirty="0">
-                <a:solidFill>
-                  <a:srgbClr val="008000"/>
-                </a:solidFill>
-                <a:latin typeface="Times New Roman"/>
-                <a:cs typeface="Times New Roman"/>
-              </a:rPr>
-              <a:t> </a:t>
-            </a:r>
-            <a:r>
-              <a:rPr sz="1500" spc="5" dirty="0">
-                <a:solidFill>
-                  <a:srgbClr val="008000"/>
+              <a:rPr sz="1500" i="1" dirty="0">
+                <a:solidFill>
+                  <a:srgbClr val="C00000"/>
+                </a:solidFill>
+                <a:latin typeface="Times New Roman"/>
+                <a:cs typeface="Times New Roman"/>
+              </a:rPr>
+              <a:t> </a:t>
+            </a:r>
+            <a:r>
+              <a:rPr sz="1500" i="1" spc="85" dirty="0">
+                <a:solidFill>
+                  <a:srgbClr val="C00000"/>
+                </a:solidFill>
+                <a:latin typeface="Times New Roman"/>
+                <a:cs typeface="Times New Roman"/>
+              </a:rPr>
+              <a:t> </a:t>
+            </a:r>
+            <a:r>
+              <a:rPr sz="1500" i="1" spc="5" dirty="0">
+                <a:solidFill>
+                  <a:srgbClr val="C00000"/>
                 </a:solidFill>
                 <a:latin typeface="Consolas"/>
                 <a:cs typeface="Consolas"/>
@@ -33922,9 +33921,9 @@
               <a:t>directive</a:t>
             </a:r>
             <a:r>
-              <a:rPr sz="1500" dirty="0">
-                <a:solidFill>
-                  <a:srgbClr val="008000"/>
+              <a:rPr sz="1500" i="1" dirty="0">
+                <a:solidFill>
+                  <a:srgbClr val="C00000"/>
                 </a:solidFill>
                 <a:latin typeface="Consolas"/>
                 <a:cs typeface="Consolas"/>
@@ -33932,29 +33931,29 @@
               <a:t>.</a:t>
             </a:r>
             <a:r>
-              <a:rPr sz="1500" dirty="0">
-                <a:solidFill>
-                  <a:srgbClr val="008000"/>
-                </a:solidFill>
-                <a:latin typeface="Times New Roman"/>
-                <a:cs typeface="Times New Roman"/>
-              </a:rPr>
-              <a:t> </a:t>
-            </a:r>
-            <a:r>
-              <a:rPr sz="1500" spc="75" dirty="0">
-                <a:solidFill>
-                  <a:srgbClr val="008000"/>
-                </a:solidFill>
-                <a:latin typeface="Times New Roman"/>
-                <a:cs typeface="Times New Roman"/>
-              </a:rPr>
-              <a:t> </a:t>
-            </a:r>
-            <a:r>
-              <a:rPr sz="1500" spc="5" dirty="0">
-                <a:solidFill>
-                  <a:srgbClr val="008000"/>
+              <a:rPr sz="1500" i="1" dirty="0">
+                <a:solidFill>
+                  <a:srgbClr val="C00000"/>
+                </a:solidFill>
+                <a:latin typeface="Times New Roman"/>
+                <a:cs typeface="Times New Roman"/>
+              </a:rPr>
+              <a:t> </a:t>
+            </a:r>
+            <a:r>
+              <a:rPr sz="1500" i="1" spc="75" dirty="0">
+                <a:solidFill>
+                  <a:srgbClr val="C00000"/>
+                </a:solidFill>
+                <a:latin typeface="Times New Roman"/>
+                <a:cs typeface="Times New Roman"/>
+              </a:rPr>
+              <a:t> </a:t>
+            </a:r>
+            <a:r>
+              <a:rPr sz="1500" i="1" spc="5" dirty="0">
+                <a:solidFill>
+                  <a:srgbClr val="C00000"/>
                 </a:solidFill>
                 <a:latin typeface="Consolas"/>
                 <a:cs typeface="Consolas"/>
@@ -33962,9 +33961,9 @@
               <a:t>Angula</a:t>
             </a:r>
             <a:r>
-              <a:rPr sz="1500" dirty="0">
-                <a:solidFill>
-                  <a:srgbClr val="008000"/>
+              <a:rPr sz="1500" i="1" dirty="0">
+                <a:solidFill>
+                  <a:srgbClr val="C00000"/>
                 </a:solidFill>
                 <a:latin typeface="Consolas"/>
                 <a:cs typeface="Consolas"/>
@@ -33972,29 +33971,29 @@
               <a:t>r</a:t>
             </a:r>
             <a:r>
-              <a:rPr sz="1500" dirty="0">
-                <a:solidFill>
-                  <a:srgbClr val="008000"/>
-                </a:solidFill>
-                <a:latin typeface="Times New Roman"/>
-                <a:cs typeface="Times New Roman"/>
-              </a:rPr>
-              <a:t> </a:t>
-            </a:r>
-            <a:r>
-              <a:rPr sz="1500" spc="90" dirty="0">
-                <a:solidFill>
-                  <a:srgbClr val="008000"/>
-                </a:solidFill>
-                <a:latin typeface="Times New Roman"/>
-                <a:cs typeface="Times New Roman"/>
-              </a:rPr>
-              <a:t> </a:t>
-            </a:r>
-            <a:r>
-              <a:rPr sz="1500" spc="5" dirty="0">
-                <a:solidFill>
-                  <a:srgbClr val="008000"/>
+              <a:rPr sz="1500" i="1" dirty="0">
+                <a:solidFill>
+                  <a:srgbClr val="C00000"/>
+                </a:solidFill>
+                <a:latin typeface="Times New Roman"/>
+                <a:cs typeface="Times New Roman"/>
+              </a:rPr>
+              <a:t> </a:t>
+            </a:r>
+            <a:r>
+              <a:rPr sz="1500" i="1" spc="90" dirty="0">
+                <a:solidFill>
+                  <a:srgbClr val="C00000"/>
+                </a:solidFill>
+                <a:latin typeface="Times New Roman"/>
+                <a:cs typeface="Times New Roman"/>
+              </a:rPr>
+              <a:t> </a:t>
+            </a:r>
+            <a:r>
+              <a:rPr sz="1500" i="1" spc="5" dirty="0">
+                <a:solidFill>
+                  <a:srgbClr val="C00000"/>
                 </a:solidFill>
                 <a:latin typeface="Consolas"/>
                 <a:cs typeface="Consolas"/>
@@ -34002,9 +34001,9 @@
               <a:t>replace</a:t>
             </a:r>
             <a:r>
-              <a:rPr sz="1500" dirty="0">
-                <a:solidFill>
-                  <a:srgbClr val="008000"/>
+              <a:rPr sz="1500" i="1" dirty="0">
+                <a:solidFill>
+                  <a:srgbClr val="C00000"/>
                 </a:solidFill>
                 <a:latin typeface="Consolas"/>
                 <a:cs typeface="Consolas"/>
@@ -34012,29 +34011,29 @@
               <a:t>s</a:t>
             </a:r>
             <a:r>
-              <a:rPr sz="1500" dirty="0">
-                <a:solidFill>
-                  <a:srgbClr val="008000"/>
-                </a:solidFill>
-                <a:latin typeface="Times New Roman"/>
-                <a:cs typeface="Times New Roman"/>
-              </a:rPr>
-              <a:t> </a:t>
-            </a:r>
-            <a:r>
-              <a:rPr sz="1500" spc="85" dirty="0">
-                <a:solidFill>
-                  <a:srgbClr val="008000"/>
-                </a:solidFill>
-                <a:latin typeface="Times New Roman"/>
-                <a:cs typeface="Times New Roman"/>
-              </a:rPr>
-              <a:t> </a:t>
-            </a:r>
-            <a:r>
-              <a:rPr sz="1500" spc="5" dirty="0">
-                <a:solidFill>
-                  <a:srgbClr val="008000"/>
+              <a:rPr sz="1500" i="1" dirty="0">
+                <a:solidFill>
+                  <a:srgbClr val="C00000"/>
+                </a:solidFill>
+                <a:latin typeface="Times New Roman"/>
+                <a:cs typeface="Times New Roman"/>
+              </a:rPr>
+              <a:t> </a:t>
+            </a:r>
+            <a:r>
+              <a:rPr sz="1500" i="1" spc="85" dirty="0">
+                <a:solidFill>
+                  <a:srgbClr val="C00000"/>
+                </a:solidFill>
+                <a:latin typeface="Times New Roman"/>
+                <a:cs typeface="Times New Roman"/>
+              </a:rPr>
+              <a:t> </a:t>
+            </a:r>
+            <a:r>
+              <a:rPr sz="1500" i="1" spc="5" dirty="0">
+                <a:solidFill>
+                  <a:srgbClr val="C00000"/>
                 </a:solidFill>
                 <a:latin typeface="Consolas"/>
                 <a:cs typeface="Consolas"/>
@@ -34042,9 +34041,9 @@
               <a:t>thi</a:t>
             </a:r>
             <a:r>
-              <a:rPr sz="1500" dirty="0">
-                <a:solidFill>
-                  <a:srgbClr val="008000"/>
+              <a:rPr sz="1500" i="1" dirty="0">
+                <a:solidFill>
+                  <a:srgbClr val="C00000"/>
                 </a:solidFill>
                 <a:latin typeface="Consolas"/>
                 <a:cs typeface="Consolas"/>
@@ -34052,29 +34051,29 @@
               <a:t>s</a:t>
             </a:r>
             <a:r>
-              <a:rPr sz="1500" dirty="0">
-                <a:solidFill>
-                  <a:srgbClr val="008000"/>
-                </a:solidFill>
-                <a:latin typeface="Times New Roman"/>
-                <a:cs typeface="Times New Roman"/>
-              </a:rPr>
-              <a:t> </a:t>
-            </a:r>
-            <a:r>
-              <a:rPr sz="1500" spc="90" dirty="0">
-                <a:solidFill>
-                  <a:srgbClr val="008000"/>
-                </a:solidFill>
-                <a:latin typeface="Times New Roman"/>
-                <a:cs typeface="Times New Roman"/>
-              </a:rPr>
-              <a:t> </a:t>
-            </a:r>
-            <a:r>
-              <a:rPr sz="1500" spc="5" dirty="0">
-                <a:solidFill>
-                  <a:srgbClr val="008000"/>
+              <a:rPr sz="1500" i="1" dirty="0">
+                <a:solidFill>
+                  <a:srgbClr val="C00000"/>
+                </a:solidFill>
+                <a:latin typeface="Times New Roman"/>
+                <a:cs typeface="Times New Roman"/>
+              </a:rPr>
+              <a:t> </a:t>
+            </a:r>
+            <a:r>
+              <a:rPr sz="1500" i="1" spc="90" dirty="0">
+                <a:solidFill>
+                  <a:srgbClr val="C00000"/>
+                </a:solidFill>
+                <a:latin typeface="Times New Roman"/>
+                <a:cs typeface="Times New Roman"/>
+              </a:rPr>
+              <a:t> </a:t>
+            </a:r>
+            <a:r>
+              <a:rPr sz="1500" i="1" spc="5" dirty="0">
+                <a:solidFill>
+                  <a:srgbClr val="C00000"/>
                 </a:solidFill>
                 <a:latin typeface="Consolas"/>
                 <a:cs typeface="Consolas"/>
@@ -34082,9 +34081,9 @@
               <a:t>wit</a:t>
             </a:r>
             <a:r>
-              <a:rPr sz="1500" dirty="0">
-                <a:solidFill>
-                  <a:srgbClr val="008000"/>
+              <a:rPr sz="1500" i="1" dirty="0">
+                <a:solidFill>
+                  <a:srgbClr val="C00000"/>
                 </a:solidFill>
                 <a:latin typeface="Consolas"/>
                 <a:cs typeface="Consolas"/>
@@ -34092,29 +34091,29 @@
               <a:t>h</a:t>
             </a:r>
             <a:r>
-              <a:rPr sz="1500" dirty="0">
-                <a:solidFill>
-                  <a:srgbClr val="008000"/>
-                </a:solidFill>
-                <a:latin typeface="Times New Roman"/>
-                <a:cs typeface="Times New Roman"/>
-              </a:rPr>
-              <a:t> </a:t>
-            </a:r>
-            <a:r>
-              <a:rPr sz="1500" spc="90" dirty="0">
-                <a:solidFill>
-                  <a:srgbClr val="008000"/>
-                </a:solidFill>
-                <a:latin typeface="Times New Roman"/>
-                <a:cs typeface="Times New Roman"/>
-              </a:rPr>
-              <a:t> </a:t>
-            </a:r>
-            <a:r>
-              <a:rPr sz="1500" dirty="0">
-                <a:solidFill>
-                  <a:srgbClr val="008000"/>
+              <a:rPr sz="1500" i="1" dirty="0">
+                <a:solidFill>
+                  <a:srgbClr val="C00000"/>
+                </a:solidFill>
+                <a:latin typeface="Times New Roman"/>
+                <a:cs typeface="Times New Roman"/>
+              </a:rPr>
+              <a:t> </a:t>
+            </a:r>
+            <a:r>
+              <a:rPr sz="1500" i="1" spc="90" dirty="0">
+                <a:solidFill>
+                  <a:srgbClr val="C00000"/>
+                </a:solidFill>
+                <a:latin typeface="Times New Roman"/>
+                <a:cs typeface="Times New Roman"/>
+              </a:rPr>
+              <a:t> </a:t>
+            </a:r>
+            <a:r>
+              <a:rPr sz="1500" i="1" dirty="0">
+                <a:solidFill>
+                  <a:srgbClr val="C00000"/>
                 </a:solidFill>
                 <a:latin typeface="Consolas"/>
                 <a:cs typeface="Consolas"/>
@@ -34122,9 +34121,9 @@
               <a:t>c</a:t>
             </a:r>
             <a:r>
-              <a:rPr sz="1500" spc="5" dirty="0">
-                <a:solidFill>
-                  <a:srgbClr val="008000"/>
+              <a:rPr sz="1500" i="1" spc="5" dirty="0">
+                <a:solidFill>
+                  <a:srgbClr val="C00000"/>
                 </a:solidFill>
                 <a:latin typeface="Consolas"/>
                 <a:cs typeface="Consolas"/>
@@ -34132,9 +34131,9 @@
               <a:t>orrec</a:t>
             </a:r>
             <a:r>
-              <a:rPr sz="1500" dirty="0">
-                <a:solidFill>
-                  <a:srgbClr val="008000"/>
+              <a:rPr sz="1500" i="1" dirty="0">
+                <a:solidFill>
+                  <a:srgbClr val="C00000"/>
                 </a:solidFill>
                 <a:latin typeface="Consolas"/>
                 <a:cs typeface="Consolas"/>
@@ -34142,29 +34141,39 @@
               <a:t>t</a:t>
             </a:r>
             <a:r>
-              <a:rPr sz="1500" dirty="0">
-                <a:solidFill>
-                  <a:srgbClr val="008000"/>
-                </a:solidFill>
-                <a:latin typeface="Times New Roman"/>
-                <a:cs typeface="Times New Roman"/>
-              </a:rPr>
-              <a:t> </a:t>
-            </a:r>
-            <a:r>
-              <a:rPr sz="1500" spc="75" dirty="0">
-                <a:solidFill>
-                  <a:srgbClr val="008000"/>
-                </a:solidFill>
-                <a:latin typeface="Times New Roman"/>
-                <a:cs typeface="Times New Roman"/>
-              </a:rPr>
-              <a:t> </a:t>
-            </a:r>
-            <a:r>
-              <a:rPr sz="1500" spc="5" dirty="0">
-                <a:solidFill>
-                  <a:srgbClr val="008000"/>
+              <a:rPr sz="1500" i="1" dirty="0">
+                <a:solidFill>
+                  <a:srgbClr val="C00000"/>
+                </a:solidFill>
+                <a:latin typeface="Times New Roman"/>
+                <a:cs typeface="Times New Roman"/>
+              </a:rPr>
+              <a:t> </a:t>
+            </a:r>
+            <a:r>
+              <a:rPr sz="1500" i="1" spc="75" dirty="0">
+                <a:solidFill>
+                  <a:srgbClr val="C00000"/>
+                </a:solidFill>
+                <a:latin typeface="Times New Roman"/>
+                <a:cs typeface="Times New Roman"/>
+              </a:rPr>
+              <a:t> </a:t>
+            </a:r>
+            <a:r>
+              <a:rPr lang="nl-NL" sz="1500" i="1" spc="75" dirty="0">
+                <a:solidFill>
+                  <a:srgbClr val="C00000"/>
+                </a:solidFill>
+                <a:latin typeface="Times New Roman"/>
+                <a:cs typeface="Times New Roman"/>
+              </a:rPr>
+              <a:t>  </a:t>
+            </a:r>
+            <a:r>
+              <a:rPr sz="1500" i="1" spc="5" dirty="0">
+                <a:solidFill>
+                  <a:srgbClr val="C00000"/>
                 </a:solidFill>
                 <a:latin typeface="Consolas"/>
                 <a:cs typeface="Consolas"/>
@@ -34172,9 +34181,9 @@
               <a:t>&lt;</a:t>
             </a:r>
             <a:r>
-              <a:rPr sz="1500" dirty="0">
-                <a:solidFill>
-                  <a:srgbClr val="008000"/>
+              <a:rPr sz="1500" i="1" dirty="0">
+                <a:solidFill>
+                  <a:srgbClr val="C00000"/>
                 </a:solidFill>
                 <a:latin typeface="Consolas"/>
                 <a:cs typeface="Consolas"/>
@@ -34182,29 +34191,29 @@
               <a:t>a</a:t>
             </a:r>
             <a:r>
-              <a:rPr sz="1500" dirty="0">
-                <a:solidFill>
-                  <a:srgbClr val="008000"/>
-                </a:solidFill>
-                <a:latin typeface="Times New Roman"/>
-                <a:cs typeface="Times New Roman"/>
-              </a:rPr>
-              <a:t> </a:t>
-            </a:r>
-            <a:r>
-              <a:rPr sz="1500" spc="85" dirty="0">
-                <a:solidFill>
-                  <a:srgbClr val="008000"/>
-                </a:solidFill>
-                <a:latin typeface="Times New Roman"/>
-                <a:cs typeface="Times New Roman"/>
-              </a:rPr>
-              <a:t> </a:t>
-            </a:r>
-            <a:r>
-              <a:rPr sz="1500" spc="5" dirty="0">
-                <a:solidFill>
-                  <a:srgbClr val="008000"/>
+              <a:rPr sz="1500" i="1" dirty="0">
+                <a:solidFill>
+                  <a:srgbClr val="C00000"/>
+                </a:solidFill>
+                <a:latin typeface="Times New Roman"/>
+                <a:cs typeface="Times New Roman"/>
+              </a:rPr>
+              <a:t> </a:t>
+            </a:r>
+            <a:r>
+              <a:rPr sz="1500" i="1" spc="85" dirty="0">
+                <a:solidFill>
+                  <a:srgbClr val="C00000"/>
+                </a:solidFill>
+                <a:latin typeface="Times New Roman"/>
+                <a:cs typeface="Times New Roman"/>
+              </a:rPr>
+              <a:t> </a:t>
+            </a:r>
+            <a:r>
+              <a:rPr sz="1500" i="1" spc="5" dirty="0">
+                <a:solidFill>
+                  <a:srgbClr val="C00000"/>
                 </a:solidFill>
                 <a:latin typeface="Consolas"/>
                 <a:cs typeface="Consolas"/>
@@ -34212,9 +34221,9 @@
               <a:t>href="..."</a:t>
             </a:r>
             <a:r>
-              <a:rPr sz="1500" dirty="0">
-                <a:solidFill>
-                  <a:srgbClr val="008000"/>
+              <a:rPr sz="1500" i="1" dirty="0">
+                <a:solidFill>
+                  <a:srgbClr val="C00000"/>
                 </a:solidFill>
                 <a:latin typeface="Consolas"/>
                 <a:cs typeface="Consolas"/>
@@ -34222,36 +34231,49 @@
               <a:t>&gt;</a:t>
             </a:r>
             <a:r>
-              <a:rPr sz="1500" dirty="0">
-                <a:solidFill>
-                  <a:srgbClr val="008000"/>
-                </a:solidFill>
-                <a:latin typeface="Times New Roman"/>
-                <a:cs typeface="Times New Roman"/>
-              </a:rPr>
-              <a:t> </a:t>
-            </a:r>
-            <a:r>
-              <a:rPr sz="1500" spc="85" dirty="0">
-                <a:solidFill>
-                  <a:srgbClr val="008000"/>
-                </a:solidFill>
-                <a:latin typeface="Times New Roman"/>
-                <a:cs typeface="Times New Roman"/>
-              </a:rPr>
-              <a:t> </a:t>
-            </a:r>
-            <a:r>
-              <a:rPr sz="1500" spc="5" dirty="0">
-                <a:solidFill>
-                  <a:srgbClr val="008000"/>
+              <a:rPr sz="1500" i="1" dirty="0">
+                <a:solidFill>
+                  <a:srgbClr val="C00000"/>
+                </a:solidFill>
+                <a:latin typeface="Times New Roman"/>
+                <a:cs typeface="Times New Roman"/>
+              </a:rPr>
+              <a:t> </a:t>
+            </a:r>
+            <a:r>
+              <a:rPr sz="1500" i="1" spc="85" dirty="0">
+                <a:solidFill>
+                  <a:srgbClr val="C00000"/>
+                </a:solidFill>
+                <a:latin typeface="Times New Roman"/>
+                <a:cs typeface="Times New Roman"/>
+              </a:rPr>
+              <a:t> </a:t>
+            </a:r>
+            <a:r>
+              <a:rPr sz="1500" i="1" spc="5" dirty="0">
+                <a:solidFill>
+                  <a:srgbClr val="C00000"/>
                 </a:solidFill>
                 <a:latin typeface="Consolas"/>
                 <a:cs typeface="Consolas"/>
               </a:rPr>
               <a:t>‐‐</a:t>
             </a:r>
-            <a:endParaRPr sz="1500">
+            <a:r>
+              <a:rPr lang="nl-NL" sz="1500" i="1" spc="5" dirty="0">
+                <a:solidFill>
+                  <a:srgbClr val="C00000"/>
+                </a:solidFill>
+                <a:latin typeface="Consolas"/>
+                <a:cs typeface="Consolas"/>
+              </a:rPr>
+              <a:t>&gt;</a:t>
+            </a:r>
+            <a:endParaRPr sz="1500" i="1" dirty="0">
+              <a:solidFill>
+                <a:srgbClr val="C00000"/>
+              </a:solidFill>
               <a:latin typeface="Consolas"/>
               <a:cs typeface="Consolas"/>
             </a:endParaRPr>
@@ -34265,227 +34287,10 @@
                 <a:spcPts val="10"/>
               </a:spcBef>
             </a:pPr>
-            <a:r>
-              <a:rPr sz="1500" spc="5" dirty="0">
-                <a:solidFill>
-                  <a:srgbClr val="008000"/>
-                </a:solidFill>
-                <a:latin typeface="Consolas"/>
-                <a:cs typeface="Consolas"/>
-              </a:rPr>
-              <a:t>&lt;</a:t>
-            </a:r>
-            <a:r>
-              <a:rPr sz="1500" dirty="0">
-                <a:solidFill>
-                  <a:srgbClr val="008000"/>
-                </a:solidFill>
-                <a:latin typeface="Consolas"/>
-                <a:cs typeface="Consolas"/>
-              </a:rPr>
-              <a:t>a</a:t>
-            </a:r>
-            <a:r>
-              <a:rPr sz="1500" dirty="0">
-                <a:solidFill>
-                  <a:srgbClr val="008000"/>
-                </a:solidFill>
-                <a:latin typeface="Times New Roman"/>
-                <a:cs typeface="Times New Roman"/>
-              </a:rPr>
-              <a:t> </a:t>
-            </a:r>
-            <a:r>
-              <a:rPr sz="1500" spc="85" dirty="0">
-                <a:solidFill>
-                  <a:srgbClr val="008000"/>
-                </a:solidFill>
-                <a:latin typeface="Times New Roman"/>
-                <a:cs typeface="Times New Roman"/>
-              </a:rPr>
-              <a:t> </a:t>
-            </a:r>
-            <a:r>
-              <a:rPr sz="1500" spc="5" dirty="0">
-                <a:solidFill>
-                  <a:srgbClr val="008000"/>
-                </a:solidFill>
-                <a:latin typeface="Consolas"/>
-                <a:cs typeface="Consolas"/>
-              </a:rPr>
-              <a:t>routerLink="/home</a:t>
-            </a:r>
-            <a:r>
-              <a:rPr sz="1500" dirty="0">
-                <a:solidFill>
-                  <a:srgbClr val="008000"/>
-                </a:solidFill>
-                <a:latin typeface="Consolas"/>
-                <a:cs typeface="Consolas"/>
-              </a:rPr>
-              <a:t>"</a:t>
-            </a:r>
-            <a:r>
-              <a:rPr sz="1500" dirty="0">
-                <a:solidFill>
-                  <a:srgbClr val="008000"/>
-                </a:solidFill>
-                <a:latin typeface="Times New Roman"/>
-                <a:cs typeface="Times New Roman"/>
-              </a:rPr>
-              <a:t> </a:t>
-            </a:r>
-            <a:r>
-              <a:rPr sz="1500" spc="90" dirty="0">
-                <a:solidFill>
-                  <a:srgbClr val="008000"/>
-                </a:solidFill>
-                <a:latin typeface="Times New Roman"/>
-                <a:cs typeface="Times New Roman"/>
-              </a:rPr>
-              <a:t> </a:t>
-            </a:r>
-            <a:r>
-              <a:rPr sz="1500" spc="5" dirty="0">
-                <a:solidFill>
-                  <a:srgbClr val="008000"/>
-                </a:solidFill>
-                <a:latin typeface="Consolas"/>
-                <a:cs typeface="Consolas"/>
-              </a:rPr>
-              <a:t>class="bt</a:t>
-            </a:r>
-            <a:r>
-              <a:rPr sz="1500" dirty="0">
-                <a:solidFill>
-                  <a:srgbClr val="008000"/>
-                </a:solidFill>
-                <a:latin typeface="Consolas"/>
-                <a:cs typeface="Consolas"/>
-              </a:rPr>
-              <a:t>n</a:t>
-            </a:r>
-            <a:r>
-              <a:rPr sz="1500" dirty="0">
-                <a:solidFill>
-                  <a:srgbClr val="008000"/>
-                </a:solidFill>
-                <a:latin typeface="Times New Roman"/>
-                <a:cs typeface="Times New Roman"/>
-              </a:rPr>
-              <a:t> </a:t>
-            </a:r>
-            <a:r>
-              <a:rPr sz="1500" spc="90" dirty="0">
-                <a:solidFill>
-                  <a:srgbClr val="008000"/>
-                </a:solidFill>
-                <a:latin typeface="Times New Roman"/>
-                <a:cs typeface="Times New Roman"/>
-              </a:rPr>
-              <a:t> </a:t>
-            </a:r>
-            <a:r>
-              <a:rPr sz="1500" spc="5" dirty="0">
-                <a:solidFill>
-                  <a:srgbClr val="008000"/>
-                </a:solidFill>
-                <a:latin typeface="Consolas"/>
-                <a:cs typeface="Consolas"/>
-              </a:rPr>
-              <a:t>btn</a:t>
-            </a:r>
-            <a:r>
-              <a:rPr sz="1500" dirty="0">
-                <a:solidFill>
-                  <a:srgbClr val="008000"/>
-                </a:solidFill>
-                <a:latin typeface="Consolas"/>
-                <a:cs typeface="Consolas"/>
-              </a:rPr>
-              <a:t>‐</a:t>
-            </a:r>
-            <a:r>
-              <a:rPr sz="1500" spc="5" dirty="0">
-                <a:solidFill>
-                  <a:srgbClr val="008000"/>
-                </a:solidFill>
-                <a:latin typeface="Consolas"/>
-                <a:cs typeface="Consolas"/>
-              </a:rPr>
-              <a:t>primary"&gt;Lis</a:t>
-            </a:r>
-            <a:r>
-              <a:rPr sz="1500" dirty="0">
-                <a:solidFill>
-                  <a:srgbClr val="008000"/>
-                </a:solidFill>
-                <a:latin typeface="Consolas"/>
-                <a:cs typeface="Consolas"/>
-              </a:rPr>
-              <a:t>t</a:t>
-            </a:r>
-            <a:r>
-              <a:rPr sz="1500" dirty="0">
-                <a:solidFill>
-                  <a:srgbClr val="008000"/>
-                </a:solidFill>
-                <a:latin typeface="Times New Roman"/>
-                <a:cs typeface="Times New Roman"/>
-              </a:rPr>
-              <a:t> </a:t>
-            </a:r>
-            <a:r>
-              <a:rPr sz="1500" spc="85" dirty="0">
-                <a:solidFill>
-                  <a:srgbClr val="008000"/>
-                </a:solidFill>
-                <a:latin typeface="Times New Roman"/>
-                <a:cs typeface="Times New Roman"/>
-              </a:rPr>
-              <a:t> </a:t>
-            </a:r>
-            <a:r>
-              <a:rPr sz="1500" dirty="0">
-                <a:solidFill>
-                  <a:srgbClr val="008000"/>
-                </a:solidFill>
-                <a:latin typeface="Consolas"/>
-                <a:cs typeface="Consolas"/>
-              </a:rPr>
-              <a:t>of</a:t>
-            </a:r>
-            <a:r>
-              <a:rPr sz="1500" dirty="0">
-                <a:solidFill>
-                  <a:srgbClr val="008000"/>
-                </a:solidFill>
-                <a:latin typeface="Times New Roman"/>
-                <a:cs typeface="Times New Roman"/>
-              </a:rPr>
-              <a:t> </a:t>
-            </a:r>
-            <a:r>
-              <a:rPr sz="1500" spc="90" dirty="0">
-                <a:solidFill>
-                  <a:srgbClr val="008000"/>
-                </a:solidFill>
-                <a:latin typeface="Times New Roman"/>
-                <a:cs typeface="Times New Roman"/>
-              </a:rPr>
-              <a:t> </a:t>
-            </a:r>
-            <a:r>
-              <a:rPr sz="1500" spc="5" dirty="0">
-                <a:solidFill>
-                  <a:srgbClr val="008000"/>
-                </a:solidFill>
-                <a:latin typeface="Consolas"/>
-                <a:cs typeface="Consolas"/>
-              </a:rPr>
-              <a:t>cities&lt;/a&gt;</a:t>
-            </a:r>
-            <a:endParaRPr sz="1500">
+            <a:endParaRPr lang="nl-NL" sz="1500" spc="5" dirty="0">
+              <a:solidFill>
+                <a:srgbClr val="008000"/>
+              </a:solidFill>
               <a:latin typeface="Consolas"/>
               <a:cs typeface="Consolas"/>
             </a:endParaRPr>
@@ -34547,7 +34352,7 @@
                 <a:latin typeface="Consolas"/>
                 <a:cs typeface="Consolas"/>
               </a:rPr>
-              <a:t>routerLink="/add</a:t>
+              <a:t>routerLink="/home</a:t>
             </a:r>
             <a:r>
               <a:rPr sz="1500" dirty="0">
@@ -34627,7 +34432,7 @@
                 <a:latin typeface="Consolas"/>
                 <a:cs typeface="Consolas"/>
               </a:rPr>
-              <a:t>btn‐primary"&gt;Ad</a:t>
+              <a:t>btn</a:t>
             </a:r>
             <a:r>
               <a:rPr sz="1500" dirty="0">
@@ -34637,13 +34442,63 @@
                 <a:latin typeface="Consolas"/>
                 <a:cs typeface="Consolas"/>
               </a:rPr>
-              <a:t>d</a:t>
+              <a:t>‐</a:t>
+            </a:r>
+            <a:r>
+              <a:rPr sz="1500" spc="5" dirty="0">
+                <a:solidFill>
+                  <a:srgbClr val="008000"/>
+                </a:solidFill>
+                <a:latin typeface="Consolas"/>
+                <a:cs typeface="Consolas"/>
+              </a:rPr>
+              <a:t>primary"&gt;Lis</a:t>
             </a:r>
             <a:r>
               <a:rPr sz="1500" dirty="0">
                 <a:solidFill>
                   <a:srgbClr val="008000"/>
                 </a:solidFill>
+                <a:latin typeface="Consolas"/>
+                <a:cs typeface="Consolas"/>
+              </a:rPr>
+              <a:t>t</a:t>
+            </a:r>
+            <a:r>
+              <a:rPr sz="1500" dirty="0">
+                <a:solidFill>
+                  <a:srgbClr val="008000"/>
+                </a:solidFill>
+                <a:latin typeface="Times New Roman"/>
+                <a:cs typeface="Times New Roman"/>
+              </a:rPr>
+              <a:t> </a:t>
+            </a:r>
+            <a:r>
+              <a:rPr sz="1500" spc="85" dirty="0">
+                <a:solidFill>
+                  <a:srgbClr val="008000"/>
+                </a:solidFill>
+                <a:latin typeface="Times New Roman"/>
+                <a:cs typeface="Times New Roman"/>
+              </a:rPr>
+              <a:t> </a:t>
+            </a:r>
+            <a:r>
+              <a:rPr sz="1500" dirty="0">
+                <a:solidFill>
+                  <a:srgbClr val="008000"/>
+                </a:solidFill>
+                <a:latin typeface="Consolas"/>
+                <a:cs typeface="Consolas"/>
+              </a:rPr>
+              <a:t>of</a:t>
+            </a:r>
+            <a:r>
+              <a:rPr sz="1500" dirty="0">
+                <a:solidFill>
+                  <a:srgbClr val="008000"/>
+                </a:solidFill>
                 <a:latin typeface="Times New Roman"/>
                 <a:cs typeface="Times New Roman"/>
               </a:rPr>
@@ -34667,9 +34522,9 @@
                 <a:latin typeface="Consolas"/>
                 <a:cs typeface="Consolas"/>
               </a:rPr>
-              <a:t>City&lt;/a&gt;</a:t>
-            </a:r>
-            <a:endParaRPr sz="1500">
+              <a:t>cities&lt;/a&gt;</a:t>
+            </a:r>
+            <a:endParaRPr sz="1500" dirty="0">
               <a:latin typeface="Consolas"/>
               <a:cs typeface="Consolas"/>
             </a:endParaRPr>
@@ -34684,6 +34539,16 @@
               </a:spcBef>
             </a:pPr>
             <a:r>
+              <a:rPr sz="1500" spc="5" dirty="0">
+                <a:solidFill>
+                  <a:srgbClr val="008000"/>
+                </a:solidFill>
+                <a:latin typeface="Consolas"/>
+                <a:cs typeface="Consolas"/>
+              </a:rPr>
+              <a:t>&lt;</a:t>
+            </a:r>
+            <a:r>
               <a:rPr sz="1500" dirty="0">
                 <a:solidFill>
                   <a:srgbClr val="008000"/>
@@ -34691,9 +34556,159 @@
                 <a:latin typeface="Consolas"/>
                 <a:cs typeface="Consolas"/>
               </a:rPr>
-              <a:t>&lt;hr&gt;</a:t>
-            </a:r>
-            <a:endParaRPr sz="1500">
+              <a:t>a</a:t>
+            </a:r>
+            <a:r>
+              <a:rPr sz="1500" dirty="0">
+                <a:solidFill>
+                  <a:srgbClr val="008000"/>
+                </a:solidFill>
+                <a:latin typeface="Times New Roman"/>
+                <a:cs typeface="Times New Roman"/>
+              </a:rPr>
+              <a:t> </a:t>
+            </a:r>
+            <a:r>
+              <a:rPr sz="1500" spc="85" dirty="0">
+                <a:solidFill>
+                  <a:srgbClr val="008000"/>
+                </a:solidFill>
+                <a:latin typeface="Times New Roman"/>
+                <a:cs typeface="Times New Roman"/>
+              </a:rPr>
+              <a:t> </a:t>
+            </a:r>
+            <a:r>
+              <a:rPr sz="1500" spc="5" dirty="0">
+                <a:solidFill>
+                  <a:srgbClr val="008000"/>
+                </a:solidFill>
+                <a:latin typeface="Consolas"/>
+                <a:cs typeface="Consolas"/>
+              </a:rPr>
+              <a:t>routerLink="/add</a:t>
+            </a:r>
+            <a:r>
+              <a:rPr sz="1500" dirty="0">
+                <a:solidFill>
+                  <a:srgbClr val="008000"/>
+                </a:solidFill>
+                <a:latin typeface="Consolas"/>
+                <a:cs typeface="Consolas"/>
+              </a:rPr>
+              <a:t>"</a:t>
+            </a:r>
+            <a:r>
+              <a:rPr sz="1500" dirty="0">
+                <a:solidFill>
+                  <a:srgbClr val="008000"/>
+                </a:solidFill>
+                <a:latin typeface="Times New Roman"/>
+                <a:cs typeface="Times New Roman"/>
+              </a:rPr>
+              <a:t> </a:t>
+            </a:r>
+            <a:r>
+              <a:rPr sz="1500" spc="90" dirty="0">
+                <a:solidFill>
+                  <a:srgbClr val="008000"/>
+                </a:solidFill>
+                <a:latin typeface="Times New Roman"/>
+                <a:cs typeface="Times New Roman"/>
+              </a:rPr>
+              <a:t> </a:t>
+            </a:r>
+            <a:r>
+              <a:rPr sz="1500" spc="5" dirty="0">
+                <a:solidFill>
+                  <a:srgbClr val="008000"/>
+                </a:solidFill>
+                <a:latin typeface="Consolas"/>
+                <a:cs typeface="Consolas"/>
+              </a:rPr>
+              <a:t>class="bt</a:t>
+            </a:r>
+            <a:r>
+              <a:rPr sz="1500" dirty="0">
+                <a:solidFill>
+                  <a:srgbClr val="008000"/>
+                </a:solidFill>
+                <a:latin typeface="Consolas"/>
+                <a:cs typeface="Consolas"/>
+              </a:rPr>
+              <a:t>n</a:t>
+            </a:r>
+            <a:r>
+              <a:rPr sz="1500" dirty="0">
+                <a:solidFill>
+                  <a:srgbClr val="008000"/>
+                </a:solidFill>
+                <a:latin typeface="Times New Roman"/>
+                <a:cs typeface="Times New Roman"/>
+              </a:rPr>
+              <a:t> </a:t>
+            </a:r>
+            <a:r>
+              <a:rPr sz="1500" spc="90" dirty="0">
+                <a:solidFill>
+                  <a:srgbClr val="008000"/>
+                </a:solidFill>
+                <a:latin typeface="Times New Roman"/>
+                <a:cs typeface="Times New Roman"/>
+              </a:rPr>
+              <a:t> </a:t>
+            </a:r>
+            <a:r>
+              <a:rPr sz="1500" spc="5" dirty="0">
+                <a:solidFill>
+                  <a:srgbClr val="008000"/>
+                </a:solidFill>
+                <a:latin typeface="Consolas"/>
+                <a:cs typeface="Consolas"/>
+              </a:rPr>
+              <a:t>btn‐primary"&gt;Ad</a:t>
+            </a:r>
+            <a:r>
+              <a:rPr sz="1500" dirty="0">
+                <a:solidFill>
+                  <a:srgbClr val="008000"/>
+                </a:solidFill>
+                <a:latin typeface="Consolas"/>
+                <a:cs typeface="Consolas"/>
+              </a:rPr>
+              <a:t>d</a:t>
+            </a:r>
+            <a:r>
+              <a:rPr sz="1500" dirty="0">
+                <a:solidFill>
+                  <a:srgbClr val="008000"/>
+                </a:solidFill>
+                <a:latin typeface="Times New Roman"/>
+                <a:cs typeface="Times New Roman"/>
+              </a:rPr>
+              <a:t> </a:t>
+            </a:r>
+            <a:r>
+              <a:rPr sz="1500" spc="90" dirty="0">
+                <a:solidFill>
+                  <a:srgbClr val="008000"/>
+                </a:solidFill>
+                <a:latin typeface="Times New Roman"/>
+                <a:cs typeface="Times New Roman"/>
+              </a:rPr>
+              <a:t> </a:t>
+            </a:r>
+            <a:r>
+              <a:rPr sz="1500" spc="5" dirty="0">
+                <a:solidFill>
+                  <a:srgbClr val="008000"/>
+                </a:solidFill>
+                <a:latin typeface="Consolas"/>
+                <a:cs typeface="Consolas"/>
+              </a:rPr>
+              <a:t>City&lt;/a&gt;</a:t>
+            </a:r>
+            <a:endParaRPr sz="1500" dirty="0">
               <a:latin typeface="Consolas"/>
               <a:cs typeface="Consolas"/>
             </a:endParaRPr>
@@ -34707,207 +34722,7 @@
                 <a:spcPts val="10"/>
               </a:spcBef>
             </a:pPr>
-            <a:r>
-              <a:rPr sz="1500" spc="5" dirty="0">
-                <a:solidFill>
-                  <a:srgbClr val="008000"/>
-                </a:solidFill>
-                <a:latin typeface="Consolas"/>
-                <a:cs typeface="Consolas"/>
-              </a:rPr>
-              <a:t>&lt;</a:t>
-            </a:r>
-            <a:r>
-              <a:rPr sz="1500" dirty="0">
-                <a:solidFill>
-                  <a:srgbClr val="008000"/>
-                </a:solidFill>
-                <a:latin typeface="Consolas"/>
-                <a:cs typeface="Consolas"/>
-              </a:rPr>
-              <a:t>!‐‐</a:t>
-            </a:r>
-            <a:r>
-              <a:rPr sz="1500" spc="15" dirty="0">
-                <a:solidFill>
-                  <a:srgbClr val="008000"/>
-                </a:solidFill>
-                <a:latin typeface="Consolas"/>
-                <a:cs typeface="Consolas"/>
-              </a:rPr>
-              <a:t> </a:t>
-            </a:r>
-            <a:r>
-              <a:rPr sz="1500" spc="5" dirty="0">
-                <a:solidFill>
-                  <a:srgbClr val="008000"/>
-                </a:solidFill>
-                <a:latin typeface="Consolas"/>
-                <a:cs typeface="Consolas"/>
-              </a:rPr>
-              <a:t>Dynamicall</a:t>
-            </a:r>
-            <a:r>
-              <a:rPr sz="1500" dirty="0">
-                <a:solidFill>
-                  <a:srgbClr val="008000"/>
-                </a:solidFill>
-                <a:latin typeface="Consolas"/>
-                <a:cs typeface="Consolas"/>
-              </a:rPr>
-              <a:t>y</a:t>
-            </a:r>
-            <a:r>
-              <a:rPr sz="1500" dirty="0">
-                <a:solidFill>
-                  <a:srgbClr val="008000"/>
-                </a:solidFill>
-                <a:latin typeface="Times New Roman"/>
-                <a:cs typeface="Times New Roman"/>
-              </a:rPr>
-              <a:t> </a:t>
-            </a:r>
-            <a:r>
-              <a:rPr sz="1500" spc="85" dirty="0">
-                <a:solidFill>
-                  <a:srgbClr val="008000"/>
-                </a:solidFill>
-                <a:latin typeface="Times New Roman"/>
-                <a:cs typeface="Times New Roman"/>
-              </a:rPr>
-              <a:t> </a:t>
-            </a:r>
-            <a:r>
-              <a:rPr sz="1500" spc="5" dirty="0">
-                <a:solidFill>
-                  <a:srgbClr val="008000"/>
-                </a:solidFill>
-                <a:latin typeface="Consolas"/>
-                <a:cs typeface="Consolas"/>
-              </a:rPr>
-              <a:t>injec</a:t>
-            </a:r>
-            <a:r>
-              <a:rPr sz="1500" dirty="0">
-                <a:solidFill>
-                  <a:srgbClr val="008000"/>
-                </a:solidFill>
-                <a:latin typeface="Consolas"/>
-                <a:cs typeface="Consolas"/>
-              </a:rPr>
-              <a:t>t</a:t>
-            </a:r>
-            <a:r>
-              <a:rPr sz="1500" dirty="0">
-                <a:solidFill>
-                  <a:srgbClr val="008000"/>
-                </a:solidFill>
-                <a:latin typeface="Times New Roman"/>
-                <a:cs typeface="Times New Roman"/>
-              </a:rPr>
-              <a:t> </a:t>
-            </a:r>
-            <a:r>
-              <a:rPr sz="1500" spc="85" dirty="0">
-                <a:solidFill>
-                  <a:srgbClr val="008000"/>
-                </a:solidFill>
-                <a:latin typeface="Times New Roman"/>
-                <a:cs typeface="Times New Roman"/>
-              </a:rPr>
-              <a:t> </a:t>
-            </a:r>
-            <a:r>
-              <a:rPr sz="1500" spc="5" dirty="0">
-                <a:solidFill>
-                  <a:srgbClr val="008000"/>
-                </a:solidFill>
-                <a:latin typeface="Consolas"/>
-                <a:cs typeface="Consolas"/>
-              </a:rPr>
-              <a:t>view</a:t>
-            </a:r>
-            <a:r>
-              <a:rPr sz="1500" dirty="0">
-                <a:solidFill>
-                  <a:srgbClr val="008000"/>
-                </a:solidFill>
-                <a:latin typeface="Consolas"/>
-                <a:cs typeface="Consolas"/>
-              </a:rPr>
-              <a:t>s</a:t>
-            </a:r>
-            <a:r>
-              <a:rPr sz="1500" dirty="0">
-                <a:solidFill>
-                  <a:srgbClr val="008000"/>
-                </a:solidFill>
-                <a:latin typeface="Times New Roman"/>
-                <a:cs typeface="Times New Roman"/>
-              </a:rPr>
-              <a:t> </a:t>
-            </a:r>
-            <a:r>
-              <a:rPr sz="1500" spc="80" dirty="0">
-                <a:solidFill>
-                  <a:srgbClr val="008000"/>
-                </a:solidFill>
-                <a:latin typeface="Times New Roman"/>
-                <a:cs typeface="Times New Roman"/>
-              </a:rPr>
-              <a:t> </a:t>
-            </a:r>
-            <a:r>
-              <a:rPr sz="1500" dirty="0">
-                <a:solidFill>
-                  <a:srgbClr val="008000"/>
-                </a:solidFill>
-                <a:latin typeface="Consolas"/>
-                <a:cs typeface="Consolas"/>
-              </a:rPr>
-              <a:t>here</a:t>
-            </a:r>
-            <a:r>
-              <a:rPr sz="1500" dirty="0">
-                <a:solidFill>
-                  <a:srgbClr val="008000"/>
-                </a:solidFill>
-                <a:latin typeface="Times New Roman"/>
-                <a:cs typeface="Times New Roman"/>
-              </a:rPr>
-              <a:t> </a:t>
-            </a:r>
-            <a:r>
-              <a:rPr sz="1500" spc="90" dirty="0">
-                <a:solidFill>
-                  <a:srgbClr val="008000"/>
-                </a:solidFill>
-                <a:latin typeface="Times New Roman"/>
-                <a:cs typeface="Times New Roman"/>
-              </a:rPr>
-              <a:t> </a:t>
-            </a:r>
-            <a:r>
-              <a:rPr sz="1500" spc="5" dirty="0">
-                <a:solidFill>
-                  <a:srgbClr val="008000"/>
-                </a:solidFill>
-                <a:latin typeface="Consolas"/>
-                <a:cs typeface="Consolas"/>
-              </a:rPr>
-              <a:t>‐</a:t>
-            </a:r>
-            <a:r>
-              <a:rPr sz="1500" dirty="0">
-                <a:solidFill>
-                  <a:srgbClr val="008000"/>
-                </a:solidFill>
-                <a:latin typeface="Consolas"/>
-                <a:cs typeface="Consolas"/>
-              </a:rPr>
-              <a:t>‐&gt;</a:t>
-            </a:r>
-            <a:endParaRPr sz="1500">
+            <a:endParaRPr sz="1500" dirty="0">
               <a:latin typeface="Consolas"/>
               <a:cs typeface="Consolas"/>
             </a:endParaRPr>
@@ -34922,39 +34737,179 @@
               </a:spcBef>
             </a:pPr>
             <a:r>
-              <a:rPr sz="1500" dirty="0">
-                <a:solidFill>
-                  <a:srgbClr val="008000"/>
-                </a:solidFill>
-                <a:latin typeface="Consolas"/>
-                <a:cs typeface="Consolas"/>
-              </a:rPr>
-              <a:t>&lt;route</a:t>
-            </a:r>
-            <a:r>
-              <a:rPr sz="1500" spc="5" dirty="0">
-                <a:solidFill>
-                  <a:srgbClr val="008000"/>
-                </a:solidFill>
-                <a:latin typeface="Consolas"/>
-                <a:cs typeface="Consolas"/>
-              </a:rPr>
-              <a:t>r‐outlet&gt;&lt;/route</a:t>
-            </a:r>
-            <a:r>
-              <a:rPr sz="1500" spc="-10" dirty="0">
-                <a:solidFill>
-                  <a:srgbClr val="008000"/>
-                </a:solidFill>
-                <a:latin typeface="Consolas"/>
-                <a:cs typeface="Consolas"/>
-              </a:rPr>
-              <a:t>r</a:t>
-            </a:r>
-            <a:r>
-              <a:rPr sz="1500" dirty="0">
-                <a:solidFill>
-                  <a:srgbClr val="008000"/>
+              <a:rPr sz="1500" i="1" spc="5" dirty="0">
+                <a:solidFill>
+                  <a:srgbClr val="C00000"/>
+                </a:solidFill>
+                <a:latin typeface="Consolas"/>
+                <a:cs typeface="Consolas"/>
+              </a:rPr>
+              <a:t>&lt;</a:t>
+            </a:r>
+            <a:r>
+              <a:rPr sz="1500" i="1" dirty="0">
+                <a:solidFill>
+                  <a:srgbClr val="C00000"/>
+                </a:solidFill>
+                <a:latin typeface="Consolas"/>
+                <a:cs typeface="Consolas"/>
+              </a:rPr>
+              <a:t>!‐‐</a:t>
+            </a:r>
+            <a:r>
+              <a:rPr sz="1500" i="1" spc="15" dirty="0">
+                <a:solidFill>
+                  <a:srgbClr val="C00000"/>
+                </a:solidFill>
+                <a:latin typeface="Consolas"/>
+                <a:cs typeface="Consolas"/>
+              </a:rPr>
+              <a:t> </a:t>
+            </a:r>
+            <a:r>
+              <a:rPr sz="1500" i="1" spc="5" dirty="0">
+                <a:solidFill>
+                  <a:srgbClr val="C00000"/>
+                </a:solidFill>
+                <a:latin typeface="Consolas"/>
+                <a:cs typeface="Consolas"/>
+              </a:rPr>
+              <a:t>Dynamicall</a:t>
+            </a:r>
+            <a:r>
+              <a:rPr sz="1500" i="1" dirty="0">
+                <a:solidFill>
+                  <a:srgbClr val="C00000"/>
+                </a:solidFill>
+                <a:latin typeface="Consolas"/>
+                <a:cs typeface="Consolas"/>
+              </a:rPr>
+              <a:t>y</a:t>
+            </a:r>
+            <a:r>
+              <a:rPr sz="1500" i="1" dirty="0">
+                <a:solidFill>
+                  <a:srgbClr val="C00000"/>
+                </a:solidFill>
+                <a:latin typeface="Times New Roman"/>
+                <a:cs typeface="Times New Roman"/>
+              </a:rPr>
+              <a:t> </a:t>
+            </a:r>
+            <a:r>
+              <a:rPr sz="1500" i="1" spc="85" dirty="0">
+                <a:solidFill>
+                  <a:srgbClr val="C00000"/>
+                </a:solidFill>
+                <a:latin typeface="Times New Roman"/>
+                <a:cs typeface="Times New Roman"/>
+              </a:rPr>
+              <a:t> </a:t>
+            </a:r>
+            <a:r>
+              <a:rPr sz="1500" i="1" spc="5" dirty="0">
+                <a:solidFill>
+                  <a:srgbClr val="C00000"/>
+                </a:solidFill>
+                <a:latin typeface="Consolas"/>
+                <a:cs typeface="Consolas"/>
+              </a:rPr>
+              <a:t>injec</a:t>
+            </a:r>
+            <a:r>
+              <a:rPr sz="1500" i="1" dirty="0">
+                <a:solidFill>
+                  <a:srgbClr val="C00000"/>
+                </a:solidFill>
+                <a:latin typeface="Consolas"/>
+                <a:cs typeface="Consolas"/>
+              </a:rPr>
+              <a:t>t</a:t>
+            </a:r>
+            <a:r>
+              <a:rPr sz="1500" i="1" dirty="0">
+                <a:solidFill>
+                  <a:srgbClr val="C00000"/>
+                </a:solidFill>
+                <a:latin typeface="Times New Roman"/>
+                <a:cs typeface="Times New Roman"/>
+              </a:rPr>
+              <a:t> </a:t>
+            </a:r>
+            <a:r>
+              <a:rPr sz="1500" i="1" spc="85" dirty="0">
+                <a:solidFill>
+                  <a:srgbClr val="C00000"/>
+                </a:solidFill>
+                <a:latin typeface="Times New Roman"/>
+                <a:cs typeface="Times New Roman"/>
+              </a:rPr>
+              <a:t> </a:t>
+            </a:r>
+            <a:r>
+              <a:rPr lang="nl-NL" sz="1500" i="1" spc="5" dirty="0" err="1">
+                <a:solidFill>
+                  <a:srgbClr val="C00000"/>
+                </a:solidFill>
+                <a:latin typeface="Consolas"/>
+                <a:cs typeface="Consolas"/>
+              </a:rPr>
+              <a:t>components</a:t>
+            </a:r>
+            <a:r>
+              <a:rPr sz="1500" i="1" dirty="0">
+                <a:solidFill>
+                  <a:srgbClr val="C00000"/>
+                </a:solidFill>
+                <a:latin typeface="Times New Roman"/>
+                <a:cs typeface="Times New Roman"/>
+              </a:rPr>
+              <a:t> </a:t>
+            </a:r>
+            <a:r>
+              <a:rPr sz="1500" i="1" spc="80" dirty="0">
+                <a:solidFill>
+                  <a:srgbClr val="C00000"/>
+                </a:solidFill>
+                <a:latin typeface="Times New Roman"/>
+                <a:cs typeface="Times New Roman"/>
+              </a:rPr>
+              <a:t> </a:t>
+            </a:r>
+            <a:r>
+              <a:rPr sz="1500" i="1" dirty="0">
+                <a:solidFill>
+                  <a:srgbClr val="C00000"/>
+                </a:solidFill>
+                <a:latin typeface="Consolas"/>
+                <a:cs typeface="Consolas"/>
+              </a:rPr>
+              <a:t>here</a:t>
+            </a:r>
+            <a:r>
+              <a:rPr sz="1500" i="1" dirty="0">
+                <a:solidFill>
+                  <a:srgbClr val="C00000"/>
+                </a:solidFill>
+                <a:latin typeface="Times New Roman"/>
+                <a:cs typeface="Times New Roman"/>
+              </a:rPr>
+              <a:t> </a:t>
+            </a:r>
+            <a:r>
+              <a:rPr sz="1500" i="1" spc="90" dirty="0">
+                <a:solidFill>
+                  <a:srgbClr val="C00000"/>
+                </a:solidFill>
+                <a:latin typeface="Times New Roman"/>
+                <a:cs typeface="Times New Roman"/>
+              </a:rPr>
+              <a:t> </a:t>
+            </a:r>
+            <a:r>
+              <a:rPr sz="1500" i="1" spc="5" dirty="0">
+                <a:solidFill>
+                  <a:srgbClr val="C00000"/>
                 </a:solidFill>
                 <a:latin typeface="Consolas"/>
                 <a:cs typeface="Consolas"/>
@@ -34962,253 +34917,15 @@
               <a:t>‐</a:t>
             </a:r>
             <a:r>
-              <a:rPr sz="1500" spc="5" dirty="0">
-                <a:solidFill>
-                  <a:srgbClr val="008000"/>
-                </a:solidFill>
-                <a:latin typeface="Consolas"/>
-                <a:cs typeface="Consolas"/>
-              </a:rPr>
-              <a:t>outlet&gt;</a:t>
-            </a:r>
-            <a:endParaRPr sz="1500">
-              <a:latin typeface="Consolas"/>
-              <a:cs typeface="Consolas"/>
-            </a:endParaRPr>
-          </a:p>
-          <a:p>
-            <a:pPr marL="1871345">
-              <a:lnSpc>
-                <a:spcPct val="100000"/>
-              </a:lnSpc>
-              <a:spcBef>
-                <a:spcPts val="15"/>
-              </a:spcBef>
-            </a:pPr>
-            <a:r>
-              <a:rPr sz="1500" spc="5" dirty="0">
-                <a:solidFill>
-                  <a:srgbClr val="008000"/>
-                </a:solidFill>
-                <a:latin typeface="Consolas"/>
-                <a:cs typeface="Consolas"/>
-              </a:rPr>
-              <a:t>&lt;</a:t>
-            </a:r>
-            <a:r>
-              <a:rPr sz="1500" dirty="0">
-                <a:solidFill>
-                  <a:srgbClr val="008000"/>
-                </a:solidFill>
-                <a:latin typeface="Consolas"/>
-                <a:cs typeface="Consolas"/>
-              </a:rPr>
-              <a:t>!‐‐</a:t>
-            </a:r>
-            <a:r>
-              <a:rPr sz="1500" spc="15" dirty="0">
-                <a:solidFill>
-                  <a:srgbClr val="008000"/>
-                </a:solidFill>
-                <a:latin typeface="Consolas"/>
-                <a:cs typeface="Consolas"/>
-              </a:rPr>
-              <a:t> </a:t>
-            </a:r>
-            <a:r>
-              <a:rPr sz="1500" spc="5" dirty="0">
-                <a:solidFill>
-                  <a:srgbClr val="008000"/>
-                </a:solidFill>
-                <a:latin typeface="Consolas"/>
-                <a:cs typeface="Consolas"/>
-              </a:rPr>
-              <a:t>Stati</a:t>
-            </a:r>
-            <a:r>
-              <a:rPr sz="1500" dirty="0">
-                <a:solidFill>
-                  <a:srgbClr val="008000"/>
-                </a:solidFill>
-                <a:latin typeface="Consolas"/>
-                <a:cs typeface="Consolas"/>
-              </a:rPr>
-              <a:t>c</a:t>
-            </a:r>
-            <a:r>
-              <a:rPr sz="1500" dirty="0">
-                <a:solidFill>
-                  <a:srgbClr val="008000"/>
-                </a:solidFill>
-                <a:latin typeface="Times New Roman"/>
-                <a:cs typeface="Times New Roman"/>
-              </a:rPr>
-              <a:t> </a:t>
-            </a:r>
-            <a:r>
-              <a:rPr sz="1500" spc="90" dirty="0">
-                <a:solidFill>
-                  <a:srgbClr val="008000"/>
-                </a:solidFill>
-                <a:latin typeface="Times New Roman"/>
-                <a:cs typeface="Times New Roman"/>
-              </a:rPr>
-              <a:t> </a:t>
-            </a:r>
-            <a:r>
-              <a:rPr sz="1500" spc="5" dirty="0">
-                <a:solidFill>
-                  <a:srgbClr val="008000"/>
-                </a:solidFill>
-                <a:latin typeface="Consolas"/>
-                <a:cs typeface="Consolas"/>
-              </a:rPr>
-              <a:t>foote</a:t>
-            </a:r>
-            <a:r>
-              <a:rPr sz="1500" dirty="0">
-                <a:solidFill>
-                  <a:srgbClr val="008000"/>
-                </a:solidFill>
-                <a:latin typeface="Consolas"/>
-                <a:cs typeface="Consolas"/>
-              </a:rPr>
-              <a:t>r</a:t>
-            </a:r>
-            <a:r>
-              <a:rPr sz="1500" dirty="0">
-                <a:solidFill>
-                  <a:srgbClr val="008000"/>
-                </a:solidFill>
-                <a:latin typeface="Times New Roman"/>
-                <a:cs typeface="Times New Roman"/>
-              </a:rPr>
-              <a:t> </a:t>
-            </a:r>
-            <a:r>
-              <a:rPr sz="1500" spc="90" dirty="0">
-                <a:solidFill>
-                  <a:srgbClr val="008000"/>
-                </a:solidFill>
-                <a:latin typeface="Times New Roman"/>
-                <a:cs typeface="Times New Roman"/>
-              </a:rPr>
-              <a:t> </a:t>
-            </a:r>
-            <a:r>
-              <a:rPr sz="1500" spc="5" dirty="0">
-                <a:solidFill>
-                  <a:srgbClr val="008000"/>
-                </a:solidFill>
-                <a:latin typeface="Consolas"/>
-                <a:cs typeface="Consolas"/>
-              </a:rPr>
-              <a:t>here</a:t>
-            </a:r>
-            <a:r>
-              <a:rPr sz="1500" dirty="0">
-                <a:solidFill>
-                  <a:srgbClr val="008000"/>
-                </a:solidFill>
-                <a:latin typeface="Consolas"/>
-                <a:cs typeface="Consolas"/>
-              </a:rPr>
-              <a:t>.</a:t>
-            </a:r>
-            <a:r>
-              <a:rPr sz="1500" dirty="0">
-                <a:solidFill>
-                  <a:srgbClr val="008000"/>
-                </a:solidFill>
-                <a:latin typeface="Times New Roman"/>
-                <a:cs typeface="Times New Roman"/>
-              </a:rPr>
-              <a:t> </a:t>
-            </a:r>
-            <a:r>
-              <a:rPr sz="1500" spc="90" dirty="0">
-                <a:solidFill>
-                  <a:srgbClr val="008000"/>
-                </a:solidFill>
-                <a:latin typeface="Times New Roman"/>
-                <a:cs typeface="Times New Roman"/>
-              </a:rPr>
-              <a:t> </a:t>
-            </a:r>
-            <a:r>
-              <a:rPr sz="1500" spc="5" dirty="0">
-                <a:solidFill>
-                  <a:srgbClr val="008000"/>
-                </a:solidFill>
-                <a:latin typeface="Consolas"/>
-                <a:cs typeface="Consolas"/>
-              </a:rPr>
-              <a:t>Alway</a:t>
-            </a:r>
-            <a:r>
-              <a:rPr sz="1500" dirty="0">
-                <a:solidFill>
-                  <a:srgbClr val="008000"/>
-                </a:solidFill>
-                <a:latin typeface="Consolas"/>
-                <a:cs typeface="Consolas"/>
-              </a:rPr>
-              <a:t>s</a:t>
-            </a:r>
-            <a:r>
-              <a:rPr sz="1500" dirty="0">
-                <a:solidFill>
-                  <a:srgbClr val="008000"/>
-                </a:solidFill>
-                <a:latin typeface="Times New Roman"/>
-                <a:cs typeface="Times New Roman"/>
-              </a:rPr>
-              <a:t> </a:t>
-            </a:r>
-            <a:r>
-              <a:rPr sz="1500" spc="90" dirty="0">
-                <a:solidFill>
-                  <a:srgbClr val="008000"/>
-                </a:solidFill>
-                <a:latin typeface="Times New Roman"/>
-                <a:cs typeface="Times New Roman"/>
-              </a:rPr>
-              <a:t> </a:t>
-            </a:r>
-            <a:r>
-              <a:rPr sz="1500" dirty="0">
-                <a:solidFill>
-                  <a:srgbClr val="008000"/>
-                </a:solidFill>
-                <a:latin typeface="Consolas"/>
-                <a:cs typeface="Consolas"/>
-              </a:rPr>
-              <a:t>visibl</a:t>
-            </a:r>
-            <a:r>
-              <a:rPr sz="1500" spc="5" dirty="0">
-                <a:solidFill>
-                  <a:srgbClr val="008000"/>
-                </a:solidFill>
-                <a:latin typeface="Consolas"/>
-                <a:cs typeface="Consolas"/>
-              </a:rPr>
-              <a:t>e</a:t>
-            </a:r>
-            <a:r>
-              <a:rPr sz="1500" dirty="0">
-                <a:solidFill>
-                  <a:srgbClr val="008000"/>
-                </a:solidFill>
-                <a:latin typeface="Consolas"/>
-                <a:cs typeface="Consolas"/>
-              </a:rPr>
-              <a:t>‐‐&gt;</a:t>
-            </a:r>
-            <a:endParaRPr sz="1500">
-              <a:latin typeface="Consolas"/>
-              <a:cs typeface="Consolas"/>
-            </a:endParaRPr>
+              <a:rPr sz="1500" i="1" dirty="0">
+                <a:solidFill>
+                  <a:srgbClr val="C00000"/>
+                </a:solidFill>
+                <a:latin typeface="Consolas"/>
+                <a:cs typeface="Consolas"/>
+              </a:rPr>
+              <a:t>‐&gt;</a:t>
+            </a:r>
           </a:p>
           <a:p>
             <a:pPr marL="1871345">
@@ -35220,6 +34937,83 @@
               </a:spcBef>
             </a:pPr>
             <a:r>
+              <a:rPr lang="nl-NL" sz="1500" dirty="0">
+                <a:solidFill>
+                  <a:srgbClr val="008000"/>
+                </a:solidFill>
+                <a:latin typeface="Consolas"/>
+                <a:cs typeface="Consolas"/>
+              </a:rPr>
+              <a:t>   </a:t>
+            </a:r>
+            <a:r>
+              <a:rPr sz="1500" b="1" dirty="0">
+                <a:solidFill>
+                  <a:srgbClr val="FF0000"/>
+                </a:solidFill>
+                <a:latin typeface="Consolas"/>
+                <a:cs typeface="Consolas"/>
+              </a:rPr>
+              <a:t>&lt;route</a:t>
+            </a:r>
+            <a:r>
+              <a:rPr sz="1500" b="1" spc="5" dirty="0">
+                <a:solidFill>
+                  <a:srgbClr val="FF0000"/>
+                </a:solidFill>
+                <a:latin typeface="Consolas"/>
+                <a:cs typeface="Consolas"/>
+              </a:rPr>
+              <a:t>r‐outlet&gt;&lt;/route</a:t>
+            </a:r>
+            <a:r>
+              <a:rPr sz="1500" b="1" spc="-10" dirty="0">
+                <a:solidFill>
+                  <a:srgbClr val="FF0000"/>
+                </a:solidFill>
+                <a:latin typeface="Consolas"/>
+                <a:cs typeface="Consolas"/>
+              </a:rPr>
+              <a:t>r</a:t>
+            </a:r>
+            <a:r>
+              <a:rPr sz="1500" b="1" dirty="0">
+                <a:solidFill>
+                  <a:srgbClr val="FF0000"/>
+                </a:solidFill>
+                <a:latin typeface="Consolas"/>
+                <a:cs typeface="Consolas"/>
+              </a:rPr>
+              <a:t>‐</a:t>
+            </a:r>
+            <a:r>
+              <a:rPr sz="1500" b="1" spc="5" dirty="0">
+                <a:solidFill>
+                  <a:srgbClr val="FF0000"/>
+                </a:solidFill>
+                <a:latin typeface="Consolas"/>
+                <a:cs typeface="Consolas"/>
+              </a:rPr>
+              <a:t>outlet&gt;</a:t>
+            </a:r>
+            <a:endParaRPr sz="1500" b="1" dirty="0">
+              <a:solidFill>
+                <a:srgbClr val="FF0000"/>
+              </a:solidFill>
+              <a:latin typeface="Consolas"/>
+              <a:cs typeface="Consolas"/>
+            </a:endParaRPr>
+          </a:p>
+          <a:p>
+            <a:pPr marL="1871345">
+              <a:lnSpc>
+                <a:spcPct val="100000"/>
+              </a:lnSpc>
+              <a:spcBef>
+                <a:spcPts val="10"/>
+              </a:spcBef>
+            </a:pPr>
+            <a:r>
               <a:rPr sz="1500" dirty="0">
                 <a:solidFill>
                   <a:srgbClr val="008000"/>
@@ -35229,7 +35023,7 @@
               </a:rPr>
               <a:t>`</a:t>
             </a:r>
-            <a:endParaRPr sz="1500">
+            <a:endParaRPr sz="1500" dirty="0">
               <a:latin typeface="Consolas"/>
               <a:cs typeface="Consolas"/>
             </a:endParaRPr>
@@ -35244,8 +35038,8 @@
         </p:nvSpPr>
         <p:spPr>
           <a:xfrm>
-            <a:off x="1218826" y="5832390"/>
-            <a:ext cx="4912360" cy="454227"/>
+            <a:off x="1178187" y="5969073"/>
+            <a:ext cx="4912360" cy="685059"/>
           </a:xfrm>
           <a:prstGeom prst="rect">
             <a:avLst/>
@@ -35269,6 +35063,21 @@
               </a:rPr>
               <a:t>})</a:t>
             </a:r>
+            <a:endParaRPr lang="nl-NL" sz="1500" dirty="0">
+              <a:latin typeface="Consolas"/>
+              <a:cs typeface="Consolas"/>
+            </a:endParaRPr>
+          </a:p>
+          <a:p>
+            <a:pPr marL="12700">
+              <a:lnSpc>
+                <a:spcPct val="100000"/>
+              </a:lnSpc>
+            </a:pPr>
+            <a:endParaRPr sz="1500" dirty="0">
+              <a:latin typeface="Consolas"/>
+              <a:cs typeface="Consolas"/>
+            </a:endParaRPr>
           </a:p>
           <a:p>
             <a:pPr marL="330835" marR="5080" indent="-318770">
@@ -35340,14 +35149,20 @@
               <a:t> </a:t>
             </a:r>
             <a:r>
-              <a:rPr sz="1500" spc="5" dirty="0">
+              <a:rPr sz="1500" b="1" spc="5" dirty="0">
+                <a:solidFill>
+                  <a:srgbClr val="FF0000"/>
+                </a:solidFill>
                 <a:latin typeface="Consolas"/>
                 <a:cs typeface="Consolas"/>
               </a:rPr>
               <a:t>MainComponen</a:t>
             </a:r>
             <a:r>
-              <a:rPr sz="1500" dirty="0">
+              <a:rPr sz="1500" b="1" dirty="0">
+                <a:solidFill>
+                  <a:srgbClr val="FF0000"/>
+                </a:solidFill>
                 <a:latin typeface="Consolas"/>
                 <a:cs typeface="Consolas"/>
               </a:rPr>
@@ -35465,7 +35280,7 @@
         <p:spPr>
           <a:xfrm>
             <a:off x="1178191" y="6227972"/>
-            <a:ext cx="4777105" cy="780415"/>
+            <a:ext cx="4777105" cy="1046440"/>
           </a:xfrm>
           <a:prstGeom prst="rect">
             <a:avLst/>
@@ -35482,14 +35297,7 @@
                 <a:spcPct val="100000"/>
               </a:lnSpc>
             </a:pPr>
-            <a:r>
-              <a:rPr sz="1500" dirty="0">
-                <a:latin typeface="Consolas"/>
-                <a:cs typeface="Consolas"/>
-              </a:rPr>
-              <a:t>}</a:t>
-            </a:r>
-            <a:endParaRPr sz="1500">
+            <a:endParaRPr sz="1500" dirty="0">
               <a:latin typeface="Consolas"/>
               <a:cs typeface="Consolas"/>
             </a:endParaRPr>
@@ -35500,7 +35308,25 @@
                 <a:spcPct val="100000"/>
               </a:lnSpc>
             </a:pPr>
-            <a:endParaRPr sz="1500">
+            <a:endParaRPr lang="nl-NL" sz="1500" dirty="0">
+              <a:latin typeface="Times New Roman"/>
+              <a:cs typeface="Times New Roman"/>
+            </a:endParaRPr>
+          </a:p>
+          <a:p>
+            <a:pPr>
+              <a:lnSpc>
+                <a:spcPct val="100000"/>
+              </a:lnSpc>
+            </a:pPr>
+            <a:r>
+              <a:rPr lang="en-US" sz="1500" dirty="0">
+                <a:latin typeface="Times New Roman"/>
+                <a:cs typeface="Times New Roman"/>
+              </a:rPr>
+              <a:t>}</a:t>
+            </a:r>
+            <a:endParaRPr sz="1500" dirty="0">
               <a:latin typeface="Times New Roman"/>
               <a:cs typeface="Times New Roman"/>
             </a:endParaRPr>
@@ -35544,7 +35370,7 @@
               </a:rPr>
               <a:t>Component</a:t>
             </a:r>
-            <a:endParaRPr sz="1300">
+            <a:endParaRPr sz="1300" dirty="0">
               <a:latin typeface="Arial"/>
               <a:cs typeface="Arial"/>
             </a:endParaRPr>
@@ -35796,7 +35622,7 @@
         </p:nvSpPr>
         <p:spPr>
           <a:xfrm>
-            <a:off x="5775719" y="4873554"/>
+            <a:off x="5788419" y="5647939"/>
             <a:ext cx="4457065" cy="923290"/>
           </a:xfrm>
           <a:custGeom>
@@ -35870,7 +35696,7 @@
         </p:nvSpPr>
         <p:spPr>
           <a:xfrm>
-            <a:off x="8401958" y="5168878"/>
+            <a:off x="8621272" y="6037472"/>
             <a:ext cx="1196340" cy="190500"/>
           </a:xfrm>
           <a:prstGeom prst="rect">
@@ -35898,7 +35724,7 @@
               </a:rPr>
               <a:t>&lt;router-outlet&gt;</a:t>
             </a:r>
-            <a:endParaRPr sz="1300">
+            <a:endParaRPr sz="1300" dirty="0">
               <a:latin typeface="Arial"/>
               <a:cs typeface="Arial"/>
             </a:endParaRPr>
@@ -36009,7 +35835,7 @@
         <p:spPr>
           <a:xfrm>
             <a:off x="1266584" y="1612623"/>
-            <a:ext cx="6058535" cy="2903220"/>
+            <a:ext cx="6058535" cy="2944652"/>
           </a:xfrm>
           <a:prstGeom prst="rect">
             <a:avLst/>
@@ -36122,7 +35948,7 @@
               </a:rPr>
               <a:t>aanpassen</a:t>
             </a:r>
-            <a:endParaRPr sz="1950">
+            <a:endParaRPr sz="1950" dirty="0">
               <a:latin typeface="Verdana"/>
               <a:cs typeface="Verdana"/>
             </a:endParaRPr>
@@ -36233,7 +36059,7 @@
               </a:rPr>
               <a:t>heeft</a:t>
             </a:r>
-            <a:endParaRPr sz="1950">
+            <a:endParaRPr sz="1950" dirty="0">
               <a:latin typeface="Verdana"/>
               <a:cs typeface="Verdana"/>
             </a:endParaRPr>
@@ -36247,7 +36073,7 @@
                 <a:spcPts val="46"/>
               </a:spcBef>
             </a:pPr>
-            <a:endParaRPr sz="1800">
+            <a:endParaRPr sz="1800" dirty="0">
               <a:latin typeface="Times New Roman"/>
               <a:cs typeface="Times New Roman"/>
             </a:endParaRPr>
@@ -36339,7 +36165,7 @@
               </a:rPr>
               <a:t>&gt;</a:t>
             </a:r>
-            <a:endParaRPr sz="1700">
+            <a:endParaRPr sz="1700" dirty="0">
               <a:latin typeface="Consolas"/>
               <a:cs typeface="Consolas"/>
             </a:endParaRPr>
@@ -36360,7 +36186,7 @@
             <a:r>
               <a:rPr sz="1700" b="1" spc="-5" dirty="0">
                 <a:solidFill>
-                  <a:srgbClr val="000080"/>
+                  <a:srgbClr val="C00000"/>
                 </a:solidFill>
                 <a:latin typeface="Consolas"/>
                 <a:cs typeface="Consolas"/>
@@ -36370,7 +36196,7 @@
             <a:r>
               <a:rPr sz="1700" b="1" dirty="0">
                 <a:solidFill>
-                  <a:srgbClr val="000080"/>
+                  <a:srgbClr val="C00000"/>
                 </a:solidFill>
                 <a:latin typeface="Consolas"/>
                 <a:cs typeface="Consolas"/>
@@ -36380,7 +36206,7 @@
             <a:r>
               <a:rPr sz="1700" b="1" spc="-5" dirty="0">
                 <a:solidFill>
-                  <a:srgbClr val="000080"/>
+                  <a:srgbClr val="C00000"/>
                 </a:solidFill>
                 <a:latin typeface="Consolas"/>
                 <a:cs typeface="Consolas"/>
@@ -36408,10 +36234,6 @@
               </a:rPr>
               <a:t>Loading...</a:t>
             </a:r>
-            <a:endParaRPr sz="1700">
-              <a:latin typeface="Consolas"/>
-              <a:cs typeface="Consolas"/>
-            </a:endParaRPr>
           </a:p>
           <a:p>
             <a:pPr marR="3171190" algn="ctr">
@@ -36432,7 +36254,7 @@
             <a:r>
               <a:rPr sz="1700" b="1" spc="-5" dirty="0">
                 <a:solidFill>
-                  <a:srgbClr val="000080"/>
+                  <a:srgbClr val="C00000"/>
                 </a:solidFill>
                 <a:latin typeface="Consolas"/>
                 <a:cs typeface="Consolas"/>
@@ -36442,7 +36264,7 @@
             <a:r>
               <a:rPr sz="1700" b="1" dirty="0">
                 <a:solidFill>
-                  <a:srgbClr val="000080"/>
+                  <a:srgbClr val="C00000"/>
                 </a:solidFill>
                 <a:latin typeface="Consolas"/>
                 <a:cs typeface="Consolas"/>
@@ -36452,7 +36274,7 @@
             <a:r>
               <a:rPr sz="1700" b="1" spc="-5" dirty="0">
                 <a:solidFill>
-                  <a:srgbClr val="000080"/>
+                  <a:srgbClr val="C00000"/>
                 </a:solidFill>
                 <a:latin typeface="Consolas"/>
                 <a:cs typeface="Consolas"/>
@@ -36462,7 +36284,7 @@
             <a:r>
               <a:rPr sz="1700" b="1" dirty="0">
                 <a:solidFill>
-                  <a:srgbClr val="000080"/>
+                  <a:srgbClr val="C00000"/>
                 </a:solidFill>
                 <a:latin typeface="Consolas"/>
                 <a:cs typeface="Consolas"/>
@@ -36476,7 +36298,7 @@
               </a:rPr>
               <a:t>&gt;</a:t>
             </a:r>
-            <a:endParaRPr sz="1700">
+            <a:endParaRPr sz="1700" dirty="0">
               <a:latin typeface="Consolas"/>
               <a:cs typeface="Consolas"/>
             </a:endParaRPr>
@@ -36531,7 +36353,7 @@
               </a:rPr>
               <a:t>&gt;</a:t>
             </a:r>
-            <a:endParaRPr sz="1700">
+            <a:endParaRPr sz="1700" dirty="0">
               <a:latin typeface="Consolas"/>
               <a:cs typeface="Consolas"/>
             </a:endParaRPr>
@@ -37753,7 +37575,7 @@
         <p:spPr>
           <a:xfrm>
             <a:off x="1373264" y="1205692"/>
-            <a:ext cx="4196715" cy="354965"/>
+            <a:ext cx="4659236" cy="400110"/>
           </a:xfrm>
           <a:prstGeom prst="rect">
             <a:avLst/>
@@ -37772,6 +37594,9 @@
             </a:pPr>
             <a:r>
               <a:rPr sz="2600" spc="-20" dirty="0">
+                <a:solidFill>
+                  <a:srgbClr val="C00000"/>
+                </a:solidFill>
                 <a:latin typeface="Arial"/>
                 <a:cs typeface="Arial"/>
               </a:rPr>
@@ -37779,6 +37604,9 @@
             </a:r>
             <a:r>
               <a:rPr sz="2600" spc="-15" dirty="0">
+                <a:solidFill>
+                  <a:srgbClr val="C00000"/>
+                </a:solidFill>
                 <a:latin typeface="Arial"/>
                 <a:cs typeface="Arial"/>
               </a:rPr>
@@ -37786,6 +37614,9 @@
             </a:r>
             <a:r>
               <a:rPr sz="2600" spc="-5" dirty="0">
+                <a:solidFill>
+                  <a:srgbClr val="C00000"/>
+                </a:solidFill>
                 <a:latin typeface="Arial"/>
                 <a:cs typeface="Arial"/>
               </a:rPr>
@@ -37793,6 +37624,9 @@
             </a:r>
             <a:r>
               <a:rPr sz="2600" spc="-25" dirty="0">
+                <a:solidFill>
+                  <a:srgbClr val="C00000"/>
+                </a:solidFill>
                 <a:latin typeface="Arial"/>
                 <a:cs typeface="Arial"/>
               </a:rPr>
@@ -37800,6 +37634,9 @@
             </a:r>
             <a:r>
               <a:rPr sz="2600" spc="-10" dirty="0">
+                <a:solidFill>
+                  <a:srgbClr val="C00000"/>
+                </a:solidFill>
                 <a:latin typeface="Arial"/>
                 <a:cs typeface="Arial"/>
               </a:rPr>
@@ -37807,6 +37644,9 @@
             </a:r>
             <a:r>
               <a:rPr sz="2600" spc="-5" dirty="0">
+                <a:solidFill>
+                  <a:srgbClr val="C00000"/>
+                </a:solidFill>
                 <a:latin typeface="Arial"/>
                 <a:cs typeface="Arial"/>
               </a:rPr>
@@ -37814,6 +37654,9 @@
             </a:r>
             <a:r>
               <a:rPr sz="2600" spc="-15" dirty="0">
+                <a:solidFill>
+                  <a:srgbClr val="C00000"/>
+                </a:solidFill>
                 <a:latin typeface="Arial"/>
                 <a:cs typeface="Arial"/>
               </a:rPr>
@@ -37821,20 +37664,29 @@
             </a:r>
             <a:r>
               <a:rPr sz="2600" spc="-5" dirty="0">
+                <a:solidFill>
+                  <a:srgbClr val="C00000"/>
+                </a:solidFill>
                 <a:latin typeface="Arial"/>
                 <a:cs typeface="Arial"/>
               </a:rPr>
               <a:t> </a:t>
             </a:r>
             <a:r>
-              <a:rPr sz="2600" spc="-20" dirty="0">
+              <a:rPr sz="2600" spc="-20" dirty="0" err="1">
+                <a:solidFill>
+                  <a:srgbClr val="C00000"/>
+                </a:solidFill>
                 <a:latin typeface="Arial"/>
                 <a:cs typeface="Arial"/>
               </a:rPr>
               <a:t>ee</a:t>
             </a:r>
             <a:r>
-              <a:rPr sz="2600" spc="-15" dirty="0">
+              <a:rPr sz="2600" spc="-15" dirty="0" err="1">
+                <a:solidFill>
+                  <a:srgbClr val="C00000"/>
+                </a:solidFill>
                 <a:latin typeface="Arial"/>
                 <a:cs typeface="Arial"/>
               </a:rPr>
@@ -37842,6 +37694,9 @@
             </a:r>
             <a:r>
               <a:rPr sz="2600" spc="-5" dirty="0">
+                <a:solidFill>
+                  <a:srgbClr val="C00000"/>
+                </a:solidFill>
                 <a:latin typeface="Arial"/>
                 <a:cs typeface="Arial"/>
               </a:rPr>
@@ -37849,12 +37704,28 @@
             </a:r>
             <a:r>
               <a:rPr sz="2600" spc="-20" dirty="0">
+                <a:solidFill>
+                  <a:srgbClr val="C00000"/>
+                </a:solidFill>
                 <a:latin typeface="Arial"/>
                 <a:cs typeface="Arial"/>
               </a:rPr>
               <a:t>route</a:t>
             </a:r>
-            <a:endParaRPr sz="2600">
+            <a:r>
+              <a:rPr lang="nl-NL" sz="2600" spc="-20" dirty="0">
+                <a:solidFill>
+                  <a:srgbClr val="C00000"/>
+                </a:solidFill>
+                <a:latin typeface="Arial"/>
+                <a:cs typeface="Arial"/>
+              </a:rPr>
+              <a:t>!</a:t>
+            </a:r>
+            <a:endParaRPr sz="2600" dirty="0">
+              <a:solidFill>
+                <a:srgbClr val="C00000"/>
+              </a:solidFill>
               <a:latin typeface="Arial"/>
               <a:cs typeface="Arial"/>
             </a:endParaRPr>

--- a/PPT/05- Angular Routing.pptx
+++ b/PPT/05- Angular Routing.pptx
@@ -1847,7 +1847,7 @@
           <a:p>
             <a:fld id="{B496B693-9FDE-D34D-BA2D-87876F5E0558}" type="datetime1">
               <a:rPr lang="en-US" smtClean="0"/>
-              <a:t>5/5/19</a:t>
+              <a:t>5/10/19</a:t>
             </a:fld>
             <a:endParaRPr lang="en-US"/>
           </a:p>
@@ -2006,7 +2006,7 @@
           <a:p>
             <a:fld id="{2C668659-E1B9-F248-8B7A-62E98257FA2B}" type="datetime1">
               <a:rPr lang="en-US" smtClean="0"/>
-              <a:t>5/5/19</a:t>
+              <a:t>5/10/19</a:t>
             </a:fld>
             <a:endParaRPr lang="en-US"/>
           </a:p>
@@ -2484,7 +2484,7 @@
           <a:p>
             <a:fld id="{B6121E9A-9D8F-554C-B283-F41E0A321D9E}" type="datetime1">
               <a:rPr lang="en-US" smtClean="0"/>
-              <a:t>5/5/19</a:t>
+              <a:t>5/10/19</a:t>
             </a:fld>
             <a:endParaRPr lang="en-US"/>
           </a:p>
@@ -2609,7 +2609,7 @@
           <a:p>
             <a:fld id="{4830FFAC-C408-5B4A-A43B-C51D21E865D6}" type="datetime1">
               <a:rPr lang="en-US" smtClean="0"/>
-              <a:t>5/5/19</a:t>
+              <a:t>5/10/19</a:t>
             </a:fld>
             <a:endParaRPr lang="en-US"/>
           </a:p>
@@ -2705,7 +2705,7 @@
           <a:p>
             <a:fld id="{AAFBA3EB-6224-474F-84CA-5E91E4443D27}" type="datetime1">
               <a:rPr lang="en-US" smtClean="0"/>
-              <a:t>5/5/19</a:t>
+              <a:t>5/10/19</a:t>
             </a:fld>
             <a:endParaRPr lang="en-US"/>
           </a:p>
@@ -2939,7 +2939,7 @@
           <a:p>
             <a:fld id="{5A1FA41D-3A39-F741-AA79-3F454EC99F26}" type="datetime1">
               <a:rPr lang="en-US" smtClean="0"/>
-              <a:t>5/5/19</a:t>
+              <a:t>5/10/19</a:t>
             </a:fld>
             <a:endParaRPr lang="en-US"/>
           </a:p>
@@ -22907,7 +22907,7 @@
               </a:rPr>
               <a:t>.html</a:t>
             </a:r>
-            <a:endParaRPr sz="2150">
+            <a:endParaRPr sz="2150" dirty="0">
               <a:latin typeface="Arial"/>
               <a:cs typeface="Arial"/>
             </a:endParaRPr>
@@ -28008,7 +28008,7 @@
         </p:nvSpPr>
         <p:spPr>
           <a:xfrm>
-            <a:off x="833609" y="906270"/>
+            <a:off x="698500" y="1343025"/>
             <a:ext cx="9859791" cy="4016484"/>
           </a:xfrm>
         </p:spPr>
@@ -28049,7 +28049,7 @@
           <a:p>
             <a:r>
               <a:rPr lang="en-US" dirty="0"/>
-              <a:t>name: 'filter’</a:t>
+              <a:t>     name: 'filter’</a:t>
             </a:r>
           </a:p>
           <a:p>
@@ -28366,14 +28366,18 @@
               <a:rPr lang="en-US" dirty="0"/>
             </a:br>
             <a:r>
+              <a:rPr lang="en-US" b="1" dirty="0"/>
+              <a:t>@Pipe</a:t>
+            </a:r>
+            <a:r>
               <a:rPr lang="en-US" dirty="0"/>
-              <a:t>@Pipe({</a:t>
+              <a:t>({</a:t>
             </a:r>
           </a:p>
           <a:p>
             <a:r>
               <a:rPr lang="en-US" dirty="0"/>
-              <a:t>name: 'filter'</a:t>
+              <a:t>      name: 'filter'</a:t>
             </a:r>
           </a:p>
           <a:p>
@@ -28396,7 +28400,7 @@
               <a:t> implements </a:t>
             </a:r>
             <a:r>
-              <a:rPr lang="en-US" dirty="0" err="1"/>
+              <a:rPr lang="en-US" b="1" dirty="0" err="1"/>
               <a:t>PipeTransform</a:t>
             </a:r>
             <a:r>
@@ -28412,10 +28416,26 @@
             <a:pPr lvl="1"/>
             <a:r>
               <a:rPr lang="en-US" dirty="0"/>
-              <a:t>transform(value: any[], </a:t>
-            </a:r>
-            <a:r>
-              <a:rPr lang="en-US" dirty="0" err="1"/>
+              <a:t>transform(</a:t>
+            </a:r>
+            <a:r>
+              <a:rPr lang="en-US" b="1" dirty="0">
+                <a:solidFill>
+                  <a:srgbClr val="C00000"/>
+                </a:solidFill>
+              </a:rPr>
+              <a:t>value</a:t>
+            </a:r>
+            <a:r>
+              <a:rPr lang="en-US" dirty="0"/>
+              <a:t>: any[], </a:t>
+            </a:r>
+            <a:r>
+              <a:rPr lang="en-US" b="1" dirty="0" err="1">
+                <a:solidFill>
+                  <a:srgbClr val="C00000"/>
+                </a:solidFill>
+              </a:rPr>
               <a:t>args</a:t>
             </a:r>
             <a:r>
@@ -28434,7 +28454,11 @@
               <a:t>if (!</a:t>
             </a:r>
             <a:r>
-              <a:rPr lang="en-US" dirty="0" err="1"/>
+              <a:rPr lang="en-US" b="1" dirty="0" err="1">
+                <a:solidFill>
+                  <a:srgbClr val="C00000"/>
+                </a:solidFill>
+              </a:rPr>
               <a:t>args</a:t>
             </a:r>
             <a:r>
@@ -28464,7 +28488,19 @@
             <a:pPr lvl="2"/>
             <a:r>
               <a:rPr lang="en-US" dirty="0"/>
-              <a:t>if (value) {</a:t>
+              <a:t>if (</a:t>
+            </a:r>
+            <a:r>
+              <a:rPr lang="en-US" b="1" dirty="0">
+                <a:solidFill>
+                  <a:srgbClr val="C00000"/>
+                </a:solidFill>
+              </a:rPr>
+              <a:t>value</a:t>
+            </a:r>
+            <a:r>
+              <a:rPr lang="en-US" dirty="0"/>
+              <a:t>) {</a:t>
             </a:r>
           </a:p>
           <a:p>

--- a/PPT/05- Angular Routing.pptx
+++ b/PPT/05- Angular Routing.pptx
@@ -5,7 +5,7 @@
     <p:sldMasterId id="2147483648" r:id="rId1"/>
   </p:sldMasterIdLst>
   <p:notesMasterIdLst>
-    <p:notesMasterId r:id="rId35"/>
+    <p:notesMasterId r:id="rId36"/>
   </p:notesMasterIdLst>
   <p:sldIdLst>
     <p:sldId id="256" r:id="rId2"/>
@@ -40,7 +40,8 @@
     <p:sldId id="303" r:id="rId31"/>
     <p:sldId id="305" r:id="rId32"/>
     <p:sldId id="302" r:id="rId33"/>
-    <p:sldId id="304" r:id="rId34"/>
+    <p:sldId id="306" r:id="rId34"/>
+    <p:sldId id="304" r:id="rId35"/>
   </p:sldIdLst>
   <p:sldSz cx="10693400" cy="7562850"/>
   <p:notesSz cx="10693400" cy="7562850"/>
@@ -1847,7 +1848,7 @@
           <a:p>
             <a:fld id="{B496B693-9FDE-D34D-BA2D-87876F5E0558}" type="datetime1">
               <a:rPr lang="en-US" smtClean="0"/>
-              <a:t>5/10/19</a:t>
+              <a:t>5/13/19</a:t>
             </a:fld>
             <a:endParaRPr lang="en-US"/>
           </a:p>
@@ -2006,7 +2007,7 @@
           <a:p>
             <a:fld id="{2C668659-E1B9-F248-8B7A-62E98257FA2B}" type="datetime1">
               <a:rPr lang="en-US" smtClean="0"/>
-              <a:t>5/10/19</a:t>
+              <a:t>5/13/19</a:t>
             </a:fld>
             <a:endParaRPr lang="en-US"/>
           </a:p>
@@ -2484,7 +2485,7 @@
           <a:p>
             <a:fld id="{B6121E9A-9D8F-554C-B283-F41E0A321D9E}" type="datetime1">
               <a:rPr lang="en-US" smtClean="0"/>
-              <a:t>5/10/19</a:t>
+              <a:t>5/13/19</a:t>
             </a:fld>
             <a:endParaRPr lang="en-US"/>
           </a:p>
@@ -2609,7 +2610,7 @@
           <a:p>
             <a:fld id="{4830FFAC-C408-5B4A-A43B-C51D21E865D6}" type="datetime1">
               <a:rPr lang="en-US" smtClean="0"/>
-              <a:t>5/10/19</a:t>
+              <a:t>5/13/19</a:t>
             </a:fld>
             <a:endParaRPr lang="en-US"/>
           </a:p>
@@ -2705,7 +2706,7 @@
           <a:p>
             <a:fld id="{AAFBA3EB-6224-474F-84CA-5E91E4443D27}" type="datetime1">
               <a:rPr lang="en-US" smtClean="0"/>
-              <a:t>5/10/19</a:t>
+              <a:t>5/13/19</a:t>
             </a:fld>
             <a:endParaRPr lang="en-US"/>
           </a:p>
@@ -2939,7 +2940,7 @@
           <a:p>
             <a:fld id="{5A1FA41D-3A39-F741-AA79-3F454EC99F26}" type="datetime1">
               <a:rPr lang="en-US" smtClean="0"/>
-              <a:t>5/10/19</a:t>
+              <a:t>5/13/19</a:t>
             </a:fld>
             <a:endParaRPr lang="en-US"/>
           </a:p>
@@ -28658,6 +28659,224 @@
 </file>
 
 <file path=ppt/slides/slide33.xml><?xml version="1.0" encoding="utf-8"?>
+<p:sld xmlns:a="http://schemas.openxmlformats.org/drawingml/2006/main" xmlns:r="http://schemas.openxmlformats.org/officeDocument/2006/relationships" xmlns:p="http://schemas.openxmlformats.org/presentationml/2006/main">
+  <p:cSld>
+    <p:spTree>
+      <p:nvGrpSpPr>
+        <p:cNvPr id="1" name=""/>
+        <p:cNvGrpSpPr/>
+        <p:nvPr/>
+      </p:nvGrpSpPr>
+      <p:grpSpPr>
+        <a:xfrm>
+          <a:off x="0" y="0"/>
+          <a:ext cx="0" cy="0"/>
+          <a:chOff x="0" y="0"/>
+          <a:chExt cx="0" cy="0"/>
+        </a:xfrm>
+      </p:grpSpPr>
+      <p:sp>
+        <p:nvSpPr>
+          <p:cNvPr id="2" name="Title 1">
+            <a:extLst>
+              <a:ext uri="{FF2B5EF4-FFF2-40B4-BE49-F238E27FC236}">
+                <a16:creationId xmlns:a16="http://schemas.microsoft.com/office/drawing/2014/main" id="{6CFC60B4-44FC-DE46-9D6B-5847B787FD85}"/>
+              </a:ext>
+            </a:extLst>
+          </p:cNvPr>
+          <p:cNvSpPr>
+            <a:spLocks noGrp="1"/>
+          </p:cNvSpPr>
+          <p:nvPr>
+            <p:ph type="title"/>
+          </p:nvPr>
+        </p:nvSpPr>
+        <p:spPr>
+          <a:xfrm>
+            <a:off x="460615" y="483077"/>
+            <a:ext cx="9772169" cy="423193"/>
+          </a:xfrm>
+        </p:spPr>
+        <p:txBody>
+          <a:bodyPr/>
+          <a:lstStyle/>
+          <a:p>
+            <a:pPr algn="ctr"/>
+            <a:r>
+              <a:rPr lang="en-US" dirty="0"/>
+              <a:t>Template</a:t>
+            </a:r>
+          </a:p>
+        </p:txBody>
+      </p:sp>
+      <p:sp>
+        <p:nvSpPr>
+          <p:cNvPr id="3" name="Text Placeholder 2">
+            <a:extLst>
+              <a:ext uri="{FF2B5EF4-FFF2-40B4-BE49-F238E27FC236}">
+                <a16:creationId xmlns:a16="http://schemas.microsoft.com/office/drawing/2014/main" id="{E1A3ADE0-715F-1748-8AFF-DEBAA4A810F1}"/>
+              </a:ext>
+            </a:extLst>
+          </p:cNvPr>
+          <p:cNvSpPr>
+            <a:spLocks noGrp="1"/>
+          </p:cNvSpPr>
+          <p:nvPr>
+            <p:ph type="body" idx="1"/>
+          </p:nvPr>
+        </p:nvSpPr>
+        <p:spPr>
+          <a:xfrm>
+            <a:off x="1586617" y="2257425"/>
+            <a:ext cx="8895474" cy="2700739"/>
+          </a:xfrm>
+        </p:spPr>
+        <p:txBody>
+          <a:bodyPr/>
+          <a:lstStyle/>
+          <a:p>
+            <a:r>
+              <a:rPr lang="en-US" dirty="0"/>
+              <a:t>&lt;</a:t>
+            </a:r>
+            <a:r>
+              <a:rPr lang="en-US" dirty="0">
+                <a:solidFill>
+                  <a:srgbClr val="00B050"/>
+                </a:solidFill>
+              </a:rPr>
+              <a:t>input</a:t>
+            </a:r>
+            <a:r>
+              <a:rPr lang="en-US" dirty="0"/>
+              <a:t> class="form-control-</a:t>
+            </a:r>
+            <a:r>
+              <a:rPr lang="en-US" dirty="0" err="1"/>
+              <a:t>lg</a:t>
+            </a:r>
+            <a:r>
+              <a:rPr lang="en-US" dirty="0"/>
+              <a:t>" type="text"</a:t>
+            </a:r>
+          </a:p>
+          <a:p>
+            <a:r>
+              <a:rPr lang="en-US" dirty="0"/>
+              <a:t>placeholder="filter cities..."</a:t>
+            </a:r>
+          </a:p>
+          <a:p>
+            <a:r>
+              <a:rPr lang="en-US" dirty="0"/>
+              <a:t>[(</a:t>
+            </a:r>
+            <a:r>
+              <a:rPr lang="en-US" dirty="0" err="1"/>
+              <a:t>ngModel</a:t>
+            </a:r>
+            <a:r>
+              <a:rPr lang="en-US" dirty="0"/>
+              <a:t>)]="</a:t>
+            </a:r>
+            <a:r>
+              <a:rPr lang="en-US" b="1" dirty="0" err="1"/>
+              <a:t>filterCity</a:t>
+            </a:r>
+            <a:r>
+              <a:rPr lang="en-US" dirty="0"/>
+              <a:t>"&gt;</a:t>
+            </a:r>
+          </a:p>
+          <a:p>
+            <a:endParaRPr lang="en-US" dirty="0"/>
+          </a:p>
+          <a:p>
+            <a:endParaRPr lang="en-US" dirty="0"/>
+          </a:p>
+          <a:p>
+            <a:r>
+              <a:rPr lang="en-US" dirty="0"/>
+              <a:t>&lt;li </a:t>
+            </a:r>
+            <a:r>
+              <a:rPr lang="en-US" dirty="0">
+                <a:solidFill>
+                  <a:srgbClr val="00B050"/>
+                </a:solidFill>
+              </a:rPr>
+              <a:t>*</a:t>
+            </a:r>
+            <a:r>
+              <a:rPr lang="en-US" dirty="0" err="1">
+                <a:solidFill>
+                  <a:srgbClr val="00B050"/>
+                </a:solidFill>
+              </a:rPr>
+              <a:t>ngFor</a:t>
+            </a:r>
+            <a:r>
+              <a:rPr lang="en-US" dirty="0"/>
+              <a:t>="let city of cities </a:t>
+            </a:r>
+            <a:r>
+              <a:rPr lang="en-US" b="1" dirty="0">
+                <a:solidFill>
+                  <a:srgbClr val="C00000"/>
+                </a:solidFill>
+              </a:rPr>
+              <a:t>| </a:t>
+            </a:r>
+            <a:r>
+              <a:rPr lang="en-US" b="1" dirty="0" err="1">
+                <a:solidFill>
+                  <a:srgbClr val="C00000"/>
+                </a:solidFill>
+              </a:rPr>
+              <a:t>filter:filterCity</a:t>
+            </a:r>
+            <a:r>
+              <a:rPr lang="en-US" dirty="0"/>
+              <a:t>"</a:t>
+            </a:r>
+            <a:r>
+              <a:rPr lang="en-US" dirty="0">
+                <a:solidFill>
+                  <a:srgbClr val="C00000"/>
+                </a:solidFill>
+              </a:rPr>
+              <a:t> </a:t>
+            </a:r>
+            <a:r>
+              <a:rPr lang="en-US" dirty="0"/>
+              <a:t>class="list-group-item"&gt;</a:t>
+            </a:r>
+          </a:p>
+          <a:p>
+            <a:r>
+              <a:rPr lang="en-US" dirty="0"/>
+              <a:t>  ….</a:t>
+            </a:r>
+          </a:p>
+          <a:p>
+            <a:endParaRPr lang="en-US" dirty="0"/>
+          </a:p>
+        </p:txBody>
+      </p:sp>
+    </p:spTree>
+    <p:extLst>
+      <p:ext uri="{BB962C8B-B14F-4D97-AF65-F5344CB8AC3E}">
+        <p14:creationId xmlns:p14="http://schemas.microsoft.com/office/powerpoint/2010/main" val="1855430656"/>
+      </p:ext>
+    </p:extLst>
+  </p:cSld>
+  <p:clrMapOvr>
+    <a:masterClrMapping/>
+  </p:clrMapOvr>
+</p:sld>
+</file>
+
+<file path=ppt/slides/slide34.xml><?xml version="1.0" encoding="utf-8"?>
 <p:sld xmlns:a="http://schemas.openxmlformats.org/drawingml/2006/main" xmlns:r="http://schemas.openxmlformats.org/officeDocument/2006/relationships" xmlns:p="http://schemas.openxmlformats.org/presentationml/2006/main">
   <p:cSld>
     <p:spTree>
